--- a/Aufgabe2/Präsentation-Aufgabe2.pptx
+++ b/Aufgabe2/Präsentation-Aufgabe2.pptx
@@ -6,12 +6,11 @@
   </p:sldMasterIdLst>
   <p:sldIdLst>
     <p:sldId id="256" r:id="rId2"/>
-    <p:sldId id="258" r:id="rId3"/>
-    <p:sldId id="259" r:id="rId4"/>
+    <p:sldId id="263" r:id="rId3"/>
+    <p:sldId id="260" r:id="rId4"/>
     <p:sldId id="257" r:id="rId5"/>
-    <p:sldId id="260" r:id="rId6"/>
-    <p:sldId id="261" r:id="rId7"/>
-    <p:sldId id="262" r:id="rId8"/>
+    <p:sldId id="261" r:id="rId6"/>
+    <p:sldId id="262" r:id="rId7"/>
   </p:sldIdLst>
   <p:sldSz cx="9144000" cy="6858000" type="screen4x3"/>
   <p:notesSz cx="6858000" cy="9144000"/>
@@ -110,7 +109,27 @@
       </a:defRPr>
     </a:lvl9pPr>
   </p:defaultTextStyle>
+  <p:extLst>
+    <p:ext uri="{EFAFB233-063F-42B5-8137-9DF3F51BA10A}">
+      <p15:sldGuideLst xmlns:p15="http://schemas.microsoft.com/office/powerpoint/2012/main" xmlns="">
+        <p15:guide id="1" orient="horz" pos="2160">
+          <p15:clr>
+            <a:srgbClr val="A4A3A4"/>
+          </p15:clr>
+        </p15:guide>
+        <p15:guide id="2" pos="2880">
+          <p15:clr>
+            <a:srgbClr val="A4A3A4"/>
+          </p15:clr>
+        </p15:guide>
+      </p15:sldGuideLst>
+    </p:ext>
+  </p:extLst>
 </p:presentation>
+</file>
+
+<file path=ppt/revisionInfo.xml><?xml version="1.0" encoding="utf-8"?>
+<p1510:revInfo xmlns:a="http://schemas.openxmlformats.org/drawingml/2006/main" xmlns:r="http://schemas.openxmlformats.org/officeDocument/2006/relationships" xmlns:p1510="http://schemas.microsoft.com/office/powerpoint/2015/10/main"/>
 </file>
 
 <file path=ppt/slideLayouts/slideLayout1.xml><?xml version="1.0" encoding="utf-8"?>
@@ -151,10 +170,9 @@
           <a:lstStyle/>
           <a:p>
             <a:r>
-              <a:rPr lang="de-DE" smtClean="0"/>
+              <a:rPr lang="de-DE"/>
               <a:t>Titelmasterformat durch Klicken bearbeiten</a:t>
             </a:r>
-            <a:endParaRPr lang="de-DE"/>
           </a:p>
         </p:txBody>
       </p:sp>
@@ -270,10 +288,9 @@
           </a:lstStyle>
           <a:p>
             <a:r>
-              <a:rPr lang="de-DE" smtClean="0"/>
+              <a:rPr lang="de-DE"/>
               <a:t>Formatvorlage des Untertitelmasters durch Klicken bearbeiten</a:t>
             </a:r>
-            <a:endParaRPr lang="de-DE"/>
           </a:p>
         </p:txBody>
       </p:sp>
@@ -295,7 +312,7 @@
             <a:fld id="{1BA50D42-C9CD-4801-B293-61D1F53EC57E}" type="datetimeFigureOut">
               <a:rPr lang="de-DE" smtClean="0"/>
               <a:pPr/>
-              <a:t>10.05.2018</a:t>
+              <a:t>17.05.2018</a:t>
             </a:fld>
             <a:endParaRPr lang="de-DE"/>
           </a:p>
@@ -385,10 +402,9 @@
           <a:lstStyle/>
           <a:p>
             <a:r>
-              <a:rPr lang="de-DE" smtClean="0"/>
+              <a:rPr lang="de-DE"/>
               <a:t>Titelmasterformat durch Klicken bearbeiten</a:t>
             </a:r>
-            <a:endParaRPr lang="de-DE"/>
           </a:p>
         </p:txBody>
       </p:sp>
@@ -409,38 +425,37 @@
           <a:p>
             <a:pPr lvl="0"/>
             <a:r>
-              <a:rPr lang="de-DE" smtClean="0"/>
+              <a:rPr lang="de-DE"/>
               <a:t>Textmasterformate durch Klicken bearbeiten</a:t>
             </a:r>
           </a:p>
           <a:p>
             <a:pPr lvl="1"/>
             <a:r>
-              <a:rPr lang="de-DE" smtClean="0"/>
+              <a:rPr lang="de-DE"/>
               <a:t>Zweite Ebene</a:t>
             </a:r>
           </a:p>
           <a:p>
             <a:pPr lvl="2"/>
             <a:r>
-              <a:rPr lang="de-DE" smtClean="0"/>
+              <a:rPr lang="de-DE"/>
               <a:t>Dritte Ebene</a:t>
             </a:r>
           </a:p>
           <a:p>
             <a:pPr lvl="3"/>
             <a:r>
-              <a:rPr lang="de-DE" smtClean="0"/>
+              <a:rPr lang="de-DE"/>
               <a:t>Vierte Ebene</a:t>
             </a:r>
           </a:p>
           <a:p>
             <a:pPr lvl="4"/>
             <a:r>
-              <a:rPr lang="de-DE" smtClean="0"/>
+              <a:rPr lang="de-DE"/>
               <a:t>Fünfte Ebene</a:t>
             </a:r>
-            <a:endParaRPr lang="de-DE"/>
           </a:p>
         </p:txBody>
       </p:sp>
@@ -462,7 +477,7 @@
             <a:fld id="{1BA50D42-C9CD-4801-B293-61D1F53EC57E}" type="datetimeFigureOut">
               <a:rPr lang="de-DE" smtClean="0"/>
               <a:pPr/>
-              <a:t>10.05.2018</a:t>
+              <a:t>17.05.2018</a:t>
             </a:fld>
             <a:endParaRPr lang="de-DE"/>
           </a:p>
@@ -557,10 +572,9 @@
           <a:lstStyle/>
           <a:p>
             <a:r>
-              <a:rPr lang="de-DE" smtClean="0"/>
+              <a:rPr lang="de-DE"/>
               <a:t>Titel durch Klicken hinzufügen</a:t>
             </a:r>
-            <a:endParaRPr lang="de-DE"/>
           </a:p>
         </p:txBody>
       </p:sp>
@@ -586,38 +600,37 @@
           <a:p>
             <a:pPr lvl="0"/>
             <a:r>
-              <a:rPr lang="de-DE" smtClean="0"/>
+              <a:rPr lang="de-DE"/>
               <a:t>Textmasterformate durch Klicken bearbeiten</a:t>
             </a:r>
           </a:p>
           <a:p>
             <a:pPr lvl="1"/>
             <a:r>
-              <a:rPr lang="de-DE" smtClean="0"/>
+              <a:rPr lang="de-DE"/>
               <a:t>Zweite Ebene</a:t>
             </a:r>
           </a:p>
           <a:p>
             <a:pPr lvl="2"/>
             <a:r>
-              <a:rPr lang="de-DE" smtClean="0"/>
+              <a:rPr lang="de-DE"/>
               <a:t>Dritte Ebene</a:t>
             </a:r>
           </a:p>
           <a:p>
             <a:pPr lvl="3"/>
             <a:r>
-              <a:rPr lang="de-DE" smtClean="0"/>
+              <a:rPr lang="de-DE"/>
               <a:t>Vierte Ebene</a:t>
             </a:r>
           </a:p>
           <a:p>
             <a:pPr lvl="4"/>
             <a:r>
-              <a:rPr lang="de-DE" smtClean="0"/>
+              <a:rPr lang="de-DE"/>
               <a:t>Fünfte Ebene</a:t>
             </a:r>
-            <a:endParaRPr lang="de-DE"/>
           </a:p>
         </p:txBody>
       </p:sp>
@@ -639,7 +652,7 @@
             <a:fld id="{1BA50D42-C9CD-4801-B293-61D1F53EC57E}" type="datetimeFigureOut">
               <a:rPr lang="de-DE" smtClean="0"/>
               <a:pPr/>
-              <a:t>10.05.2018</a:t>
+              <a:t>17.05.2018</a:t>
             </a:fld>
             <a:endParaRPr lang="de-DE"/>
           </a:p>
@@ -729,10 +742,9 @@
           <a:lstStyle/>
           <a:p>
             <a:r>
-              <a:rPr lang="de-DE" smtClean="0"/>
+              <a:rPr lang="de-DE"/>
               <a:t>Titelmasterformat durch Klicken bearbeiten</a:t>
             </a:r>
-            <a:endParaRPr lang="de-DE"/>
           </a:p>
         </p:txBody>
       </p:sp>
@@ -753,38 +765,37 @@
           <a:p>
             <a:pPr lvl="0"/>
             <a:r>
-              <a:rPr lang="de-DE" smtClean="0"/>
+              <a:rPr lang="de-DE"/>
               <a:t>Textmasterformate durch Klicken bearbeiten</a:t>
             </a:r>
           </a:p>
           <a:p>
             <a:pPr lvl="1"/>
             <a:r>
-              <a:rPr lang="de-DE" smtClean="0"/>
+              <a:rPr lang="de-DE"/>
               <a:t>Zweite Ebene</a:t>
             </a:r>
           </a:p>
           <a:p>
             <a:pPr lvl="2"/>
             <a:r>
-              <a:rPr lang="de-DE" smtClean="0"/>
+              <a:rPr lang="de-DE"/>
               <a:t>Dritte Ebene</a:t>
             </a:r>
           </a:p>
           <a:p>
             <a:pPr lvl="3"/>
             <a:r>
-              <a:rPr lang="de-DE" smtClean="0"/>
+              <a:rPr lang="de-DE"/>
               <a:t>Vierte Ebene</a:t>
             </a:r>
           </a:p>
           <a:p>
             <a:pPr lvl="4"/>
             <a:r>
-              <a:rPr lang="de-DE" smtClean="0"/>
+              <a:rPr lang="de-DE"/>
               <a:t>Fünfte Ebene</a:t>
             </a:r>
-            <a:endParaRPr lang="de-DE"/>
           </a:p>
         </p:txBody>
       </p:sp>
@@ -806,7 +817,7 @@
             <a:fld id="{1BA50D42-C9CD-4801-B293-61D1F53EC57E}" type="datetimeFigureOut">
               <a:rPr lang="de-DE" smtClean="0"/>
               <a:pPr/>
-              <a:t>10.05.2018</a:t>
+              <a:t>17.05.2018</a:t>
             </a:fld>
             <a:endParaRPr lang="de-DE"/>
           </a:p>
@@ -905,10 +916,9 @@
           </a:lstStyle>
           <a:p>
             <a:r>
-              <a:rPr lang="de-DE" smtClean="0"/>
+              <a:rPr lang="de-DE"/>
               <a:t>Titelmasterformat durch Klicken bearbeiten</a:t>
             </a:r>
-            <a:endParaRPr lang="de-DE"/>
           </a:p>
         </p:txBody>
       </p:sp>
@@ -1025,7 +1035,7 @@
           <a:p>
             <a:pPr lvl="0"/>
             <a:r>
-              <a:rPr lang="de-DE" smtClean="0"/>
+              <a:rPr lang="de-DE"/>
               <a:t>Textmasterformate durch Klicken bearbeiten</a:t>
             </a:r>
           </a:p>
@@ -1049,7 +1059,7 @@
             <a:fld id="{1BA50D42-C9CD-4801-B293-61D1F53EC57E}" type="datetimeFigureOut">
               <a:rPr lang="de-DE" smtClean="0"/>
               <a:pPr/>
-              <a:t>10.05.2018</a:t>
+              <a:t>17.05.2018</a:t>
             </a:fld>
             <a:endParaRPr lang="de-DE"/>
           </a:p>
@@ -1139,10 +1149,9 @@
           <a:lstStyle/>
           <a:p>
             <a:r>
-              <a:rPr lang="de-DE" smtClean="0"/>
+              <a:rPr lang="de-DE"/>
               <a:t>Titelmasterformat durch Klicken bearbeiten</a:t>
             </a:r>
-            <a:endParaRPr lang="de-DE"/>
           </a:p>
         </p:txBody>
       </p:sp>
@@ -1196,38 +1205,37 @@
           <a:p>
             <a:pPr lvl="0"/>
             <a:r>
-              <a:rPr lang="de-DE" smtClean="0"/>
+              <a:rPr lang="de-DE"/>
               <a:t>Textmasterformate durch Klicken bearbeiten</a:t>
             </a:r>
           </a:p>
           <a:p>
             <a:pPr lvl="1"/>
             <a:r>
-              <a:rPr lang="de-DE" smtClean="0"/>
+              <a:rPr lang="de-DE"/>
               <a:t>Zweite Ebene</a:t>
             </a:r>
           </a:p>
           <a:p>
             <a:pPr lvl="2"/>
             <a:r>
-              <a:rPr lang="de-DE" smtClean="0"/>
+              <a:rPr lang="de-DE"/>
               <a:t>Dritte Ebene</a:t>
             </a:r>
           </a:p>
           <a:p>
             <a:pPr lvl="3"/>
             <a:r>
-              <a:rPr lang="de-DE" smtClean="0"/>
+              <a:rPr lang="de-DE"/>
               <a:t>Vierte Ebene</a:t>
             </a:r>
           </a:p>
           <a:p>
             <a:pPr lvl="4"/>
             <a:r>
-              <a:rPr lang="de-DE" smtClean="0"/>
+              <a:rPr lang="de-DE"/>
               <a:t>Fünfte Ebene</a:t>
             </a:r>
-            <a:endParaRPr lang="de-DE"/>
           </a:p>
         </p:txBody>
       </p:sp>
@@ -1281,38 +1289,37 @@
           <a:p>
             <a:pPr lvl="0"/>
             <a:r>
-              <a:rPr lang="de-DE" smtClean="0"/>
+              <a:rPr lang="de-DE"/>
               <a:t>Textmasterformate durch Klicken bearbeiten</a:t>
             </a:r>
           </a:p>
           <a:p>
             <a:pPr lvl="1"/>
             <a:r>
-              <a:rPr lang="de-DE" smtClean="0"/>
+              <a:rPr lang="de-DE"/>
               <a:t>Zweite Ebene</a:t>
             </a:r>
           </a:p>
           <a:p>
             <a:pPr lvl="2"/>
             <a:r>
-              <a:rPr lang="de-DE" smtClean="0"/>
+              <a:rPr lang="de-DE"/>
               <a:t>Dritte Ebene</a:t>
             </a:r>
           </a:p>
           <a:p>
             <a:pPr lvl="3"/>
             <a:r>
-              <a:rPr lang="de-DE" smtClean="0"/>
+              <a:rPr lang="de-DE"/>
               <a:t>Vierte Ebene</a:t>
             </a:r>
           </a:p>
           <a:p>
             <a:pPr lvl="4"/>
             <a:r>
-              <a:rPr lang="de-DE" smtClean="0"/>
+              <a:rPr lang="de-DE"/>
               <a:t>Fünfte Ebene</a:t>
             </a:r>
-            <a:endParaRPr lang="de-DE"/>
           </a:p>
         </p:txBody>
       </p:sp>
@@ -1334,7 +1341,7 @@
             <a:fld id="{1BA50D42-C9CD-4801-B293-61D1F53EC57E}" type="datetimeFigureOut">
               <a:rPr lang="de-DE" smtClean="0"/>
               <a:pPr/>
-              <a:t>10.05.2018</a:t>
+              <a:t>17.05.2018</a:t>
             </a:fld>
             <a:endParaRPr lang="de-DE"/>
           </a:p>
@@ -1428,10 +1435,9 @@
           </a:lstStyle>
           <a:p>
             <a:r>
-              <a:rPr lang="de-DE" smtClean="0"/>
+              <a:rPr lang="de-DE"/>
               <a:t>Titelmasterformat durch Klicken bearbeiten</a:t>
             </a:r>
-            <a:endParaRPr lang="de-DE"/>
           </a:p>
         </p:txBody>
       </p:sp>
@@ -1494,7 +1500,7 @@
           <a:p>
             <a:pPr lvl="0"/>
             <a:r>
-              <a:rPr lang="de-DE" smtClean="0"/>
+              <a:rPr lang="de-DE"/>
               <a:t>Textmasterformate durch Klicken bearbeiten</a:t>
             </a:r>
           </a:p>
@@ -1550,38 +1556,37 @@
           <a:p>
             <a:pPr lvl="0"/>
             <a:r>
-              <a:rPr lang="de-DE" smtClean="0"/>
+              <a:rPr lang="de-DE"/>
               <a:t>Textmasterformate durch Klicken bearbeiten</a:t>
             </a:r>
           </a:p>
           <a:p>
             <a:pPr lvl="1"/>
             <a:r>
-              <a:rPr lang="de-DE" smtClean="0"/>
+              <a:rPr lang="de-DE"/>
               <a:t>Zweite Ebene</a:t>
             </a:r>
           </a:p>
           <a:p>
             <a:pPr lvl="2"/>
             <a:r>
-              <a:rPr lang="de-DE" smtClean="0"/>
+              <a:rPr lang="de-DE"/>
               <a:t>Dritte Ebene</a:t>
             </a:r>
           </a:p>
           <a:p>
             <a:pPr lvl="3"/>
             <a:r>
-              <a:rPr lang="de-DE" smtClean="0"/>
+              <a:rPr lang="de-DE"/>
               <a:t>Vierte Ebene</a:t>
             </a:r>
           </a:p>
           <a:p>
             <a:pPr lvl="4"/>
             <a:r>
-              <a:rPr lang="de-DE" smtClean="0"/>
+              <a:rPr lang="de-DE"/>
               <a:t>Fünfte Ebene</a:t>
             </a:r>
-            <a:endParaRPr lang="de-DE"/>
           </a:p>
         </p:txBody>
       </p:sp>
@@ -1644,7 +1649,7 @@
           <a:p>
             <a:pPr lvl="0"/>
             <a:r>
-              <a:rPr lang="de-DE" smtClean="0"/>
+              <a:rPr lang="de-DE"/>
               <a:t>Textmasterformate durch Klicken bearbeiten</a:t>
             </a:r>
           </a:p>
@@ -1700,38 +1705,37 @@
           <a:p>
             <a:pPr lvl="0"/>
             <a:r>
-              <a:rPr lang="de-DE" smtClean="0"/>
+              <a:rPr lang="de-DE"/>
               <a:t>Textmasterformate durch Klicken bearbeiten</a:t>
             </a:r>
           </a:p>
           <a:p>
             <a:pPr lvl="1"/>
             <a:r>
-              <a:rPr lang="de-DE" smtClean="0"/>
+              <a:rPr lang="de-DE"/>
               <a:t>Zweite Ebene</a:t>
             </a:r>
           </a:p>
           <a:p>
             <a:pPr lvl="2"/>
             <a:r>
-              <a:rPr lang="de-DE" smtClean="0"/>
+              <a:rPr lang="de-DE"/>
               <a:t>Dritte Ebene</a:t>
             </a:r>
           </a:p>
           <a:p>
             <a:pPr lvl="3"/>
             <a:r>
-              <a:rPr lang="de-DE" smtClean="0"/>
+              <a:rPr lang="de-DE"/>
               <a:t>Vierte Ebene</a:t>
             </a:r>
           </a:p>
           <a:p>
             <a:pPr lvl="4"/>
             <a:r>
-              <a:rPr lang="de-DE" smtClean="0"/>
+              <a:rPr lang="de-DE"/>
               <a:t>Fünfte Ebene</a:t>
             </a:r>
-            <a:endParaRPr lang="de-DE"/>
           </a:p>
         </p:txBody>
       </p:sp>
@@ -1753,7 +1757,7 @@
             <a:fld id="{1BA50D42-C9CD-4801-B293-61D1F53EC57E}" type="datetimeFigureOut">
               <a:rPr lang="de-DE" smtClean="0"/>
               <a:pPr/>
-              <a:t>10.05.2018</a:t>
+              <a:t>17.05.2018</a:t>
             </a:fld>
             <a:endParaRPr lang="de-DE"/>
           </a:p>
@@ -1843,10 +1847,9 @@
           <a:lstStyle/>
           <a:p>
             <a:r>
-              <a:rPr lang="de-DE" smtClean="0"/>
+              <a:rPr lang="de-DE"/>
               <a:t>Titelmasterformat durch Klicken bearbeiten</a:t>
             </a:r>
-            <a:endParaRPr lang="de-DE"/>
           </a:p>
         </p:txBody>
       </p:sp>
@@ -1868,7 +1871,7 @@
             <a:fld id="{1BA50D42-C9CD-4801-B293-61D1F53EC57E}" type="datetimeFigureOut">
               <a:rPr lang="de-DE" smtClean="0"/>
               <a:pPr/>
-              <a:t>10.05.2018</a:t>
+              <a:t>17.05.2018</a:t>
             </a:fld>
             <a:endParaRPr lang="de-DE"/>
           </a:p>
@@ -1960,7 +1963,7 @@
             <a:fld id="{1BA50D42-C9CD-4801-B293-61D1F53EC57E}" type="datetimeFigureOut">
               <a:rPr lang="de-DE" smtClean="0"/>
               <a:pPr/>
-              <a:t>10.05.2018</a:t>
+              <a:t>17.05.2018</a:t>
             </a:fld>
             <a:endParaRPr lang="de-DE"/>
           </a:p>
@@ -2059,10 +2062,9 @@
           </a:lstStyle>
           <a:p>
             <a:r>
-              <a:rPr lang="de-DE" smtClean="0"/>
+              <a:rPr lang="de-DE"/>
               <a:t>Titelmasterformat durch Klicken bearbeiten</a:t>
             </a:r>
-            <a:endParaRPr lang="de-DE"/>
           </a:p>
         </p:txBody>
       </p:sp>
@@ -2116,38 +2118,37 @@
           <a:p>
             <a:pPr lvl="0"/>
             <a:r>
-              <a:rPr lang="de-DE" smtClean="0"/>
+              <a:rPr lang="de-DE"/>
               <a:t>Textmasterformate durch Klicken bearbeiten</a:t>
             </a:r>
           </a:p>
           <a:p>
             <a:pPr lvl="1"/>
             <a:r>
-              <a:rPr lang="de-DE" smtClean="0"/>
+              <a:rPr lang="de-DE"/>
               <a:t>Zweite Ebene</a:t>
             </a:r>
           </a:p>
           <a:p>
             <a:pPr lvl="2"/>
             <a:r>
-              <a:rPr lang="de-DE" smtClean="0"/>
+              <a:rPr lang="de-DE"/>
               <a:t>Dritte Ebene</a:t>
             </a:r>
           </a:p>
           <a:p>
             <a:pPr lvl="3"/>
             <a:r>
-              <a:rPr lang="de-DE" smtClean="0"/>
+              <a:rPr lang="de-DE"/>
               <a:t>Vierte Ebene</a:t>
             </a:r>
           </a:p>
           <a:p>
             <a:pPr lvl="4"/>
             <a:r>
-              <a:rPr lang="de-DE" smtClean="0"/>
+              <a:rPr lang="de-DE"/>
               <a:t>Fünfte Ebene</a:t>
             </a:r>
-            <a:endParaRPr lang="de-DE"/>
           </a:p>
         </p:txBody>
       </p:sp>
@@ -2210,7 +2211,7 @@
           <a:p>
             <a:pPr lvl="0"/>
             <a:r>
-              <a:rPr lang="de-DE" smtClean="0"/>
+              <a:rPr lang="de-DE"/>
               <a:t>Textmasterformate durch Klicken bearbeiten</a:t>
             </a:r>
           </a:p>
@@ -2234,7 +2235,7 @@
             <a:fld id="{1BA50D42-C9CD-4801-B293-61D1F53EC57E}" type="datetimeFigureOut">
               <a:rPr lang="de-DE" smtClean="0"/>
               <a:pPr/>
-              <a:t>10.05.2018</a:t>
+              <a:t>17.05.2018</a:t>
             </a:fld>
             <a:endParaRPr lang="de-DE"/>
           </a:p>
@@ -2333,10 +2334,9 @@
           </a:lstStyle>
           <a:p>
             <a:r>
-              <a:rPr lang="de-DE" smtClean="0"/>
+              <a:rPr lang="de-DE"/>
               <a:t>Titelmasterformat durch Klicken bearbeiten</a:t>
             </a:r>
-            <a:endParaRPr lang="de-DE"/>
           </a:p>
         </p:txBody>
       </p:sp>
@@ -2460,7 +2460,7 @@
           <a:p>
             <a:pPr lvl="0"/>
             <a:r>
-              <a:rPr lang="de-DE" smtClean="0"/>
+              <a:rPr lang="de-DE"/>
               <a:t>Textmasterformate durch Klicken bearbeiten</a:t>
             </a:r>
           </a:p>
@@ -2484,7 +2484,7 @@
             <a:fld id="{1BA50D42-C9CD-4801-B293-61D1F53EC57E}" type="datetimeFigureOut">
               <a:rPr lang="de-DE" smtClean="0"/>
               <a:pPr/>
-              <a:t>10.05.2018</a:t>
+              <a:t>17.05.2018</a:t>
             </a:fld>
             <a:endParaRPr lang="de-DE"/>
           </a:p>
@@ -2589,10 +2589,9 @@
           <a:lstStyle/>
           <a:p>
             <a:r>
-              <a:rPr lang="de-DE" smtClean="0"/>
+              <a:rPr lang="de-DE"/>
               <a:t>Titelmasterformat durch Klicken bearbeiten</a:t>
             </a:r>
-            <a:endParaRPr lang="de-DE"/>
           </a:p>
         </p:txBody>
       </p:sp>
@@ -2623,38 +2622,37 @@
           <a:p>
             <a:pPr lvl="0"/>
             <a:r>
-              <a:rPr lang="de-DE" smtClean="0"/>
+              <a:rPr lang="de-DE"/>
               <a:t>Textmasterformate durch Klicken bearbeiten</a:t>
             </a:r>
           </a:p>
           <a:p>
             <a:pPr lvl="1"/>
             <a:r>
-              <a:rPr lang="de-DE" smtClean="0"/>
+              <a:rPr lang="de-DE"/>
               <a:t>Zweite Ebene</a:t>
             </a:r>
           </a:p>
           <a:p>
             <a:pPr lvl="2"/>
             <a:r>
-              <a:rPr lang="de-DE" smtClean="0"/>
+              <a:rPr lang="de-DE"/>
               <a:t>Dritte Ebene</a:t>
             </a:r>
           </a:p>
           <a:p>
             <a:pPr lvl="3"/>
             <a:r>
-              <a:rPr lang="de-DE" smtClean="0"/>
+              <a:rPr lang="de-DE"/>
               <a:t>Vierte Ebene</a:t>
             </a:r>
           </a:p>
           <a:p>
             <a:pPr lvl="4"/>
             <a:r>
-              <a:rPr lang="de-DE" smtClean="0"/>
+              <a:rPr lang="de-DE"/>
               <a:t>Fünfte Ebene</a:t>
             </a:r>
-            <a:endParaRPr lang="de-DE"/>
           </a:p>
         </p:txBody>
       </p:sp>
@@ -2694,7 +2692,7 @@
             <a:fld id="{1BA50D42-C9CD-4801-B293-61D1F53EC57E}" type="datetimeFigureOut">
               <a:rPr lang="de-DE" smtClean="0"/>
               <a:pPr/>
-              <a:t>10.05.2018</a:t>
+              <a:t>17.05.2018</a:t>
             </a:fld>
             <a:endParaRPr lang="de-DE"/>
           </a:p>
@@ -3107,21 +3105,20 @@
           <a:lstStyle/>
           <a:p>
             <a:r>
-              <a:rPr lang="de-DE" sz="3600" dirty="0" smtClean="0"/>
+              <a:rPr lang="de-DE" sz="3600" dirty="0"/>
               <a:t>Aufgabe 2</a:t>
             </a:r>
             <a:r>
-              <a:rPr lang="de-DE" dirty="0" smtClean="0"/>
+              <a:rPr lang="de-DE" dirty="0"/>
               <a:t/>
             </a:r>
             <a:br>
-              <a:rPr lang="de-DE" dirty="0" smtClean="0"/>
+              <a:rPr lang="de-DE" dirty="0"/>
             </a:br>
             <a:r>
-              <a:rPr lang="de-DE" dirty="0" smtClean="0"/>
+              <a:rPr lang="de-DE" dirty="0"/>
               <a:t>Fläche der Bundesländer</a:t>
             </a:r>
-            <a:endParaRPr lang="de-DE" dirty="0"/>
           </a:p>
         </p:txBody>
       </p:sp>
@@ -3142,25 +3139,24 @@
           </a:bodyPr>
           <a:lstStyle/>
           <a:p>
-            <a:endParaRPr lang="de-DE" sz="2800" dirty="0" smtClean="0"/>
-          </a:p>
-          <a:p>
-            <a:endParaRPr lang="de-DE" sz="2800" dirty="0" smtClean="0"/>
-          </a:p>
-          <a:p>
-            <a:r>
-              <a:rPr lang="de-DE" sz="2800" dirty="0" smtClean="0"/>
+            <a:endParaRPr lang="de-DE" sz="2800" dirty="0"/>
+          </a:p>
+          <a:p>
+            <a:endParaRPr lang="de-DE" sz="2800" dirty="0"/>
+          </a:p>
+          <a:p>
+            <a:r>
+              <a:rPr lang="de-DE" sz="2800" dirty="0"/>
               <a:t>Dominik </a:t>
             </a:r>
             <a:r>
-              <a:rPr lang="de-DE" sz="2800" dirty="0" err="1" smtClean="0"/>
+              <a:rPr lang="de-DE" sz="2800" dirty="0" err="1"/>
               <a:t>Ernsberger</a:t>
             </a:r>
             <a:r>
-              <a:rPr lang="de-DE" sz="2800" dirty="0" smtClean="0"/>
+              <a:rPr lang="de-DE" sz="2800" dirty="0"/>
               <a:t> &amp; Markus Pielmeier</a:t>
             </a:r>
-            <a:endParaRPr lang="de-DE" sz="2800" dirty="0"/>
           </a:p>
         </p:txBody>
       </p:sp>
@@ -3169,6 +3165,13 @@
   <p:clrMapOvr>
     <a:masterClrMapping/>
   </p:clrMapOvr>
+  <p:timing>
+    <p:tnLst>
+      <p:par>
+        <p:cTn id="1" dur="indefinite" restart="never" nodeType="tmRoot"/>
+      </p:par>
+    </p:tnLst>
+  </p:timing>
 </p:sld>
 </file>
 
@@ -3191,7 +3194,13 @@
       </p:grpSpPr>
       <p:sp>
         <p:nvSpPr>
-          <p:cNvPr id="2" name="Titel 1"/>
+          <p:cNvPr id="2" name="Titel 1">
+            <a:extLst>
+              <a:ext uri="{FF2B5EF4-FFF2-40B4-BE49-F238E27FC236}">
+                <a16:creationId xmlns:a16="http://schemas.microsoft.com/office/drawing/2014/main" xmlns="" id="{44421B91-5133-4C00-9C48-36807BFC8555}"/>
+              </a:ext>
+            </a:extLst>
+          </p:cNvPr>
           <p:cNvSpPr>
             <a:spLocks noGrp="1"/>
           </p:cNvSpPr>
@@ -3204,97 +3213,875 @@
           <a:bodyPr/>
           <a:lstStyle/>
           <a:p>
-            <a:r>
-              <a:rPr lang="de-DE" dirty="0" smtClean="0"/>
-              <a:t>Ergebnisse</a:t>
-            </a:r>
-            <a:endParaRPr lang="de-DE" dirty="0"/>
-          </a:p>
-        </p:txBody>
-      </p:sp>
-      <p:sp>
-        <p:nvSpPr>
-          <p:cNvPr id="3" name="Inhaltsplatzhalter 2"/>
-          <p:cNvSpPr>
-            <a:spLocks noGrp="1"/>
-          </p:cNvSpPr>
+            <a:endParaRPr lang="en-US"/>
+          </a:p>
+        </p:txBody>
+      </p:sp>
+      <p:graphicFrame>
+        <p:nvGraphicFramePr>
+          <p:cNvPr id="4" name="Inhaltsplatzhalter 3">
+            <a:extLst>
+              <a:ext uri="{FF2B5EF4-FFF2-40B4-BE49-F238E27FC236}">
+                <a16:creationId xmlns:a16="http://schemas.microsoft.com/office/drawing/2014/main" xmlns="" id="{0605FEA1-2E8E-446C-AE22-A8F26A5474F1}"/>
+              </a:ext>
+            </a:extLst>
+          </p:cNvPr>
+          <p:cNvGraphicFramePr>
+            <a:graphicFrameLocks noGrp="1"/>
+          </p:cNvGraphicFramePr>
           <p:nvPr>
             <p:ph idx="1"/>
-          </p:nvPr>
-        </p:nvSpPr>
-        <p:spPr/>
-        <p:txBody>
-          <a:bodyPr>
-            <a:normAutofit/>
-          </a:bodyPr>
-          <a:lstStyle/>
-          <a:p>
-            <a:r>
-              <a:rPr lang="de-DE" sz="2400" dirty="0" smtClean="0"/>
-              <a:t>Bayern=60026.12513000023,</a:t>
-            </a:r>
-          </a:p>
-          <a:p>
-            <a:r>
-              <a:rPr lang="de-DE" sz="2400" dirty="0" smtClean="0"/>
-              <a:t>Niedersachsen=40632.729274000114</a:t>
-            </a:r>
-          </a:p>
-          <a:p>
-            <a:r>
-              <a:rPr lang="de-DE" sz="2400" dirty="0" smtClean="0"/>
-              <a:t>Baden</a:t>
-            </a:r>
-            <a:r>
-              <a:rPr lang="de-DE" sz="2400" dirty="0" smtClean="0"/>
-              <a:t>__x26__WÃ¼rttemberg=30522.30575700007, </a:t>
-            </a:r>
-            <a:endParaRPr lang="de-DE" sz="2400" dirty="0" smtClean="0"/>
-          </a:p>
-          <a:p>
-            <a:r>
-              <a:rPr lang="de-DE" sz="2400" dirty="0" smtClean="0"/>
-              <a:t>Nordrhein-Westfalen=28966.398603,</a:t>
-            </a:r>
-          </a:p>
-          <a:p>
-            <a:r>
-              <a:rPr lang="de-DE" sz="2400" dirty="0" smtClean="0"/>
-              <a:t>Brandenburg=25275.91961750006</a:t>
-            </a:r>
-            <a:r>
-              <a:rPr lang="de-DE" sz="2400" dirty="0" smtClean="0"/>
-              <a:t>, </a:t>
-            </a:r>
-            <a:endParaRPr lang="de-DE" sz="2400" dirty="0" smtClean="0"/>
-          </a:p>
-          <a:p>
-            <a:r>
-              <a:rPr lang="de-DE" sz="2400" dirty="0" smtClean="0"/>
-              <a:t>Mecklenburg-Vorpommern=19658.779237499963,</a:t>
-            </a:r>
-          </a:p>
-          <a:p>
-            <a:r>
-              <a:rPr lang="de-DE" sz="2400" dirty="0" smtClean="0"/>
-              <a:t>Hessen=17977.527149500125</a:t>
-            </a:r>
-            <a:r>
-              <a:rPr lang="de-DE" sz="2400" dirty="0" smtClean="0"/>
-              <a:t>, </a:t>
-            </a:r>
-            <a:r>
-              <a:rPr lang="de-DE" sz="2400" dirty="0" smtClean="0"/>
-              <a:t>Sachsen</a:t>
-            </a:r>
-          </a:p>
-        </p:txBody>
-      </p:sp>
+            <p:extLst>
+              <p:ext uri="{D42A27DB-BD31-4B8C-83A1-F6EECF244321}">
+                <p14:modId xmlns:p14="http://schemas.microsoft.com/office/powerpoint/2010/main" xmlns="" val="3197602243"/>
+              </p:ext>
+            </p:extLst>
+          </p:nvPr>
+        </p:nvGraphicFramePr>
+        <p:xfrm>
+          <a:off x="457200" y="540504"/>
+          <a:ext cx="8229600" cy="6304280"/>
+        </p:xfrm>
+        <a:graphic>
+          <a:graphicData uri="http://schemas.openxmlformats.org/drawingml/2006/table">
+            <a:tbl>
+              <a:tblPr firstRow="1" bandRow="1">
+                <a:tableStyleId>{5C22544A-7EE6-4342-B048-85BDC9FD1C3A}</a:tableStyleId>
+              </a:tblPr>
+              <a:tblGrid>
+                <a:gridCol w="2743200">
+                  <a:extLst>
+                    <a:ext uri="{9D8B030D-6E8A-4147-A177-3AD203B41FA5}">
+                      <a16:colId xmlns:a16="http://schemas.microsoft.com/office/drawing/2014/main" xmlns="" val="2020736366"/>
+                    </a:ext>
+                  </a:extLst>
+                </a:gridCol>
+                <a:gridCol w="2743200">
+                  <a:extLst>
+                    <a:ext uri="{9D8B030D-6E8A-4147-A177-3AD203B41FA5}">
+                      <a16:colId xmlns:a16="http://schemas.microsoft.com/office/drawing/2014/main" xmlns="" val="3618884914"/>
+                    </a:ext>
+                  </a:extLst>
+                </a:gridCol>
+                <a:gridCol w="2743200">
+                  <a:extLst>
+                    <a:ext uri="{9D8B030D-6E8A-4147-A177-3AD203B41FA5}">
+                      <a16:colId xmlns:a16="http://schemas.microsoft.com/office/drawing/2014/main" xmlns="" val="3414088144"/>
+                    </a:ext>
+                  </a:extLst>
+                </a:gridCol>
+              </a:tblGrid>
+              <a:tr h="370840">
+                <a:tc>
+                  <a:txBody>
+                    <a:bodyPr/>
+                    <a:lstStyle/>
+                    <a:p>
+                      <a:r>
+                        <a:rPr lang="en-US" dirty="0" err="1"/>
+                        <a:t>Bundesland</a:t>
+                      </a:r>
+                      <a:endParaRPr lang="en-US" dirty="0"/>
+                    </a:p>
+                  </a:txBody>
+                  <a:tcPr/>
+                </a:tc>
+                <a:tc>
+                  <a:txBody>
+                    <a:bodyPr/>
+                    <a:lstStyle/>
+                    <a:p>
+                      <a:r>
+                        <a:rPr lang="en-US" dirty="0" err="1"/>
+                        <a:t>Fläche</a:t>
+                      </a:r>
+                      <a:endParaRPr lang="en-US" dirty="0"/>
+                    </a:p>
+                  </a:txBody>
+                  <a:tcPr/>
+                </a:tc>
+                <a:tc>
+                  <a:txBody>
+                    <a:bodyPr/>
+                    <a:lstStyle/>
+                    <a:p>
+                      <a:r>
+                        <a:rPr lang="en-US" dirty="0" err="1"/>
+                        <a:t>Hauptstadt</a:t>
+                      </a:r>
+                      <a:endParaRPr lang="en-US" dirty="0"/>
+                    </a:p>
+                  </a:txBody>
+                  <a:tcPr/>
+                </a:tc>
+                <a:extLst>
+                  <a:ext uri="{0D108BD9-81ED-4DB2-BD59-A6C34878D82A}">
+                    <a16:rowId xmlns:a16="http://schemas.microsoft.com/office/drawing/2014/main" xmlns="" val="1327731931"/>
+                  </a:ext>
+                </a:extLst>
+              </a:tr>
+              <a:tr h="370840">
+                <a:tc>
+                  <a:txBody>
+                    <a:bodyPr/>
+                    <a:lstStyle/>
+                    <a:p>
+                      <a:r>
+                        <a:rPr lang="en-US" dirty="0"/>
+                        <a:t>Bayern</a:t>
+                      </a:r>
+                    </a:p>
+                  </a:txBody>
+                  <a:tcPr/>
+                </a:tc>
+                <a:tc>
+                  <a:txBody>
+                    <a:bodyPr/>
+                    <a:lstStyle/>
+                    <a:p>
+                      <a:r>
+                        <a:rPr lang="en-US" dirty="0"/>
+                        <a:t>60026.12513000023</a:t>
+                      </a:r>
+                    </a:p>
+                  </a:txBody>
+                  <a:tcPr/>
+                </a:tc>
+                <a:tc>
+                  <a:txBody>
+                    <a:bodyPr/>
+                    <a:lstStyle/>
+                    <a:p>
+                      <a:r>
+                        <a:rPr lang="en-US" dirty="0"/>
+                        <a:t>München</a:t>
+                      </a:r>
+                    </a:p>
+                  </a:txBody>
+                  <a:tcPr/>
+                </a:tc>
+                <a:extLst>
+                  <a:ext uri="{0D108BD9-81ED-4DB2-BD59-A6C34878D82A}">
+                    <a16:rowId xmlns:a16="http://schemas.microsoft.com/office/drawing/2014/main" xmlns="" val="1067457804"/>
+                  </a:ext>
+                </a:extLst>
+              </a:tr>
+              <a:tr h="370840">
+                <a:tc>
+                  <a:txBody>
+                    <a:bodyPr/>
+                    <a:lstStyle/>
+                    <a:p>
+                      <a:r>
+                        <a:rPr lang="en-US" dirty="0"/>
+                        <a:t>Niedersachsen</a:t>
+                      </a:r>
+                    </a:p>
+                  </a:txBody>
+                  <a:tcPr/>
+                </a:tc>
+                <a:tc>
+                  <a:txBody>
+                    <a:bodyPr/>
+                    <a:lstStyle/>
+                    <a:p>
+                      <a:r>
+                        <a:rPr lang="en-US" dirty="0"/>
+                        <a:t>40632.729274000114</a:t>
+                      </a:r>
+                    </a:p>
+                  </a:txBody>
+                  <a:tcPr/>
+                </a:tc>
+                <a:tc>
+                  <a:txBody>
+                    <a:bodyPr/>
+                    <a:lstStyle/>
+                    <a:p>
+                      <a:r>
+                        <a:rPr lang="en-US" dirty="0"/>
+                        <a:t>Hannover</a:t>
+                      </a:r>
+                    </a:p>
+                  </a:txBody>
+                  <a:tcPr/>
+                </a:tc>
+                <a:extLst>
+                  <a:ext uri="{0D108BD9-81ED-4DB2-BD59-A6C34878D82A}">
+                    <a16:rowId xmlns:a16="http://schemas.microsoft.com/office/drawing/2014/main" xmlns="" val="4211340964"/>
+                  </a:ext>
+                </a:extLst>
+              </a:tr>
+              <a:tr h="370840">
+                <a:tc>
+                  <a:txBody>
+                    <a:bodyPr/>
+                    <a:lstStyle/>
+                    <a:p>
+                      <a:r>
+                        <a:rPr lang="en-US" dirty="0"/>
+                        <a:t>Baden_x26_Württemberg</a:t>
+                      </a:r>
+                    </a:p>
+                  </a:txBody>
+                  <a:tcPr/>
+                </a:tc>
+                <a:tc>
+                  <a:txBody>
+                    <a:bodyPr/>
+                    <a:lstStyle/>
+                    <a:p>
+                      <a:r>
+                        <a:rPr lang="en-US" dirty="0"/>
+                        <a:t>30522.30575700007</a:t>
+                      </a:r>
+                    </a:p>
+                  </a:txBody>
+                  <a:tcPr/>
+                </a:tc>
+                <a:tc>
+                  <a:txBody>
+                    <a:bodyPr/>
+                    <a:lstStyle/>
+                    <a:p>
+                      <a:r>
+                        <a:rPr lang="en-US" dirty="0"/>
+                        <a:t>Stuttgart</a:t>
+                      </a:r>
+                    </a:p>
+                  </a:txBody>
+                  <a:tcPr/>
+                </a:tc>
+                <a:extLst>
+                  <a:ext uri="{0D108BD9-81ED-4DB2-BD59-A6C34878D82A}">
+                    <a16:rowId xmlns:a16="http://schemas.microsoft.com/office/drawing/2014/main" xmlns="" val="2367165269"/>
+                  </a:ext>
+                </a:extLst>
+              </a:tr>
+              <a:tr h="370840">
+                <a:tc>
+                  <a:txBody>
+                    <a:bodyPr/>
+                    <a:lstStyle/>
+                    <a:p>
+                      <a:r>
+                        <a:rPr lang="en-US" dirty="0"/>
+                        <a:t>Nordrhein-Westfalen</a:t>
+                      </a:r>
+                    </a:p>
+                  </a:txBody>
+                  <a:tcPr/>
+                </a:tc>
+                <a:tc>
+                  <a:txBody>
+                    <a:bodyPr/>
+                    <a:lstStyle/>
+                    <a:p>
+                      <a:r>
+                        <a:rPr lang="en-US" dirty="0"/>
+                        <a:t>28966.398603</a:t>
+                      </a:r>
+                    </a:p>
+                  </a:txBody>
+                  <a:tcPr/>
+                </a:tc>
+                <a:tc>
+                  <a:txBody>
+                    <a:bodyPr/>
+                    <a:lstStyle/>
+                    <a:p>
+                      <a:r>
+                        <a:rPr lang="en-US" dirty="0"/>
+                        <a:t>Düsseldorf</a:t>
+                      </a:r>
+                    </a:p>
+                  </a:txBody>
+                  <a:tcPr/>
+                </a:tc>
+                <a:extLst>
+                  <a:ext uri="{0D108BD9-81ED-4DB2-BD59-A6C34878D82A}">
+                    <a16:rowId xmlns:a16="http://schemas.microsoft.com/office/drawing/2014/main" xmlns="" val="2252989766"/>
+                  </a:ext>
+                </a:extLst>
+              </a:tr>
+              <a:tr h="370840">
+                <a:tc>
+                  <a:txBody>
+                    <a:bodyPr/>
+                    <a:lstStyle/>
+                    <a:p>
+                      <a:r>
+                        <a:rPr lang="en-US" dirty="0"/>
+                        <a:t>Brandenburg</a:t>
+                      </a:r>
+                    </a:p>
+                  </a:txBody>
+                  <a:tcPr/>
+                </a:tc>
+                <a:tc>
+                  <a:txBody>
+                    <a:bodyPr/>
+                    <a:lstStyle/>
+                    <a:p>
+                      <a:r>
+                        <a:rPr lang="en-US" dirty="0"/>
+                        <a:t>25275.91961750006</a:t>
+                      </a:r>
+                    </a:p>
+                  </a:txBody>
+                  <a:tcPr/>
+                </a:tc>
+                <a:tc>
+                  <a:txBody>
+                    <a:bodyPr/>
+                    <a:lstStyle/>
+                    <a:p>
+                      <a:r>
+                        <a:rPr lang="en-US" dirty="0"/>
+                        <a:t>Potsdam</a:t>
+                      </a:r>
+                    </a:p>
+                  </a:txBody>
+                  <a:tcPr/>
+                </a:tc>
+                <a:extLst>
+                  <a:ext uri="{0D108BD9-81ED-4DB2-BD59-A6C34878D82A}">
+                    <a16:rowId xmlns:a16="http://schemas.microsoft.com/office/drawing/2014/main" xmlns="" val="4180994841"/>
+                  </a:ext>
+                </a:extLst>
+              </a:tr>
+              <a:tr h="370840">
+                <a:tc>
+                  <a:txBody>
+                    <a:bodyPr/>
+                    <a:lstStyle/>
+                    <a:p>
+                      <a:r>
+                        <a:rPr lang="en-US" dirty="0"/>
+                        <a:t>Mecklenburg-Vorpommern</a:t>
+                      </a:r>
+                    </a:p>
+                  </a:txBody>
+                  <a:tcPr/>
+                </a:tc>
+                <a:tc>
+                  <a:txBody>
+                    <a:bodyPr/>
+                    <a:lstStyle/>
+                    <a:p>
+                      <a:r>
+                        <a:rPr lang="en-US" dirty="0"/>
+                        <a:t>19658.779237499963</a:t>
+                      </a:r>
+                    </a:p>
+                  </a:txBody>
+                  <a:tcPr/>
+                </a:tc>
+                <a:tc>
+                  <a:txBody>
+                    <a:bodyPr/>
+                    <a:lstStyle/>
+                    <a:p>
+                      <a:r>
+                        <a:rPr lang="en-US" dirty="0"/>
+                        <a:t>Schwerin</a:t>
+                      </a:r>
+                    </a:p>
+                  </a:txBody>
+                  <a:tcPr/>
+                </a:tc>
+                <a:extLst>
+                  <a:ext uri="{0D108BD9-81ED-4DB2-BD59-A6C34878D82A}">
+                    <a16:rowId xmlns:a16="http://schemas.microsoft.com/office/drawing/2014/main" xmlns="" val="3199698391"/>
+                  </a:ext>
+                </a:extLst>
+              </a:tr>
+              <a:tr h="370840">
+                <a:tc>
+                  <a:txBody>
+                    <a:bodyPr/>
+                    <a:lstStyle/>
+                    <a:p>
+                      <a:r>
+                        <a:rPr lang="en-US" dirty="0"/>
+                        <a:t>Hessen</a:t>
+                      </a:r>
+                    </a:p>
+                  </a:txBody>
+                  <a:tcPr/>
+                </a:tc>
+                <a:tc>
+                  <a:txBody>
+                    <a:bodyPr/>
+                    <a:lstStyle/>
+                    <a:p>
+                      <a:r>
+                        <a:rPr lang="en-US" dirty="0"/>
+                        <a:t>17977.527149500125</a:t>
+                      </a:r>
+                    </a:p>
+                  </a:txBody>
+                  <a:tcPr/>
+                </a:tc>
+                <a:tc>
+                  <a:txBody>
+                    <a:bodyPr/>
+                    <a:lstStyle/>
+                    <a:p>
+                      <a:r>
+                        <a:rPr lang="en-US" dirty="0"/>
+                        <a:t>Wiesbaden</a:t>
+                      </a:r>
+                    </a:p>
+                  </a:txBody>
+                  <a:tcPr/>
+                </a:tc>
+                <a:extLst>
+                  <a:ext uri="{0D108BD9-81ED-4DB2-BD59-A6C34878D82A}">
+                    <a16:rowId xmlns:a16="http://schemas.microsoft.com/office/drawing/2014/main" xmlns="" val="4054743843"/>
+                  </a:ext>
+                </a:extLst>
+              </a:tr>
+              <a:tr h="370840">
+                <a:tc>
+                  <a:txBody>
+                    <a:bodyPr/>
+                    <a:lstStyle/>
+                    <a:p>
+                      <a:r>
+                        <a:rPr lang="en-US" dirty="0"/>
+                        <a:t>Sachsen-Anhalt</a:t>
+                      </a:r>
+                    </a:p>
+                  </a:txBody>
+                  <a:tcPr/>
+                </a:tc>
+                <a:tc>
+                  <a:txBody>
+                    <a:bodyPr/>
+                    <a:lstStyle/>
+                    <a:p>
+                      <a:r>
+                        <a:rPr lang="en-US" dirty="0"/>
+                        <a:t>17450.54894199989</a:t>
+                      </a:r>
+                    </a:p>
+                  </a:txBody>
+                  <a:tcPr/>
+                </a:tc>
+                <a:tc>
+                  <a:txBody>
+                    <a:bodyPr/>
+                    <a:lstStyle/>
+                    <a:p>
+                      <a:r>
+                        <a:rPr lang="en-US" dirty="0"/>
+                        <a:t>Magdeburg</a:t>
+                      </a:r>
+                    </a:p>
+                  </a:txBody>
+                  <a:tcPr/>
+                </a:tc>
+                <a:extLst>
+                  <a:ext uri="{0D108BD9-81ED-4DB2-BD59-A6C34878D82A}">
+                    <a16:rowId xmlns:a16="http://schemas.microsoft.com/office/drawing/2014/main" xmlns="" val="110099697"/>
+                  </a:ext>
+                </a:extLst>
+              </a:tr>
+              <a:tr h="370840">
+                <a:tc>
+                  <a:txBody>
+                    <a:bodyPr/>
+                    <a:lstStyle/>
+                    <a:p>
+                      <a:r>
+                        <a:rPr lang="en-US" dirty="0" err="1"/>
+                        <a:t>Rheinland</a:t>
+                      </a:r>
+                      <a:r>
+                        <a:rPr lang="en-US" dirty="0"/>
+                        <a:t>-Pfalz</a:t>
+                      </a:r>
+                    </a:p>
+                  </a:txBody>
+                  <a:tcPr/>
+                </a:tc>
+                <a:tc>
+                  <a:txBody>
+                    <a:bodyPr/>
+                    <a:lstStyle/>
+                    <a:p>
+                      <a:r>
+                        <a:rPr lang="en-US" dirty="0"/>
+                        <a:t>16913.58123800003</a:t>
+                      </a:r>
+                    </a:p>
+                  </a:txBody>
+                  <a:tcPr/>
+                </a:tc>
+                <a:tc>
+                  <a:txBody>
+                    <a:bodyPr/>
+                    <a:lstStyle/>
+                    <a:p>
+                      <a:r>
+                        <a:rPr lang="en-US" dirty="0"/>
+                        <a:t>Mainz</a:t>
+                      </a:r>
+                    </a:p>
+                  </a:txBody>
+                  <a:tcPr/>
+                </a:tc>
+                <a:extLst>
+                  <a:ext uri="{0D108BD9-81ED-4DB2-BD59-A6C34878D82A}">
+                    <a16:rowId xmlns:a16="http://schemas.microsoft.com/office/drawing/2014/main" xmlns="" val="2912263345"/>
+                  </a:ext>
+                </a:extLst>
+              </a:tr>
+              <a:tr h="370840">
+                <a:tc>
+                  <a:txBody>
+                    <a:bodyPr/>
+                    <a:lstStyle/>
+                    <a:p>
+                      <a:r>
+                        <a:rPr lang="en-US" dirty="0"/>
+                        <a:t>Sachsen</a:t>
+                      </a:r>
+                    </a:p>
+                  </a:txBody>
+                  <a:tcPr/>
+                </a:tc>
+                <a:tc>
+                  <a:txBody>
+                    <a:bodyPr/>
+                    <a:lstStyle/>
+                    <a:p>
+                      <a:r>
+                        <a:rPr lang="en-US" dirty="0"/>
+                        <a:t>15667.910336999936</a:t>
+                      </a:r>
+                    </a:p>
+                  </a:txBody>
+                  <a:tcPr/>
+                </a:tc>
+                <a:tc>
+                  <a:txBody>
+                    <a:bodyPr/>
+                    <a:lstStyle/>
+                    <a:p>
+                      <a:r>
+                        <a:rPr lang="en-US" dirty="0"/>
+                        <a:t>Dresden</a:t>
+                      </a:r>
+                    </a:p>
+                  </a:txBody>
+                  <a:tcPr/>
+                </a:tc>
+                <a:extLst>
+                  <a:ext uri="{0D108BD9-81ED-4DB2-BD59-A6C34878D82A}">
+                    <a16:rowId xmlns:a16="http://schemas.microsoft.com/office/drawing/2014/main" xmlns="" val="2676280923"/>
+                  </a:ext>
+                </a:extLst>
+              </a:tr>
+              <a:tr h="370840">
+                <a:tc>
+                  <a:txBody>
+                    <a:bodyPr/>
+                    <a:lstStyle/>
+                    <a:p>
+                      <a:r>
+                        <a:rPr lang="en-US" dirty="0"/>
+                        <a:t>Thüringen</a:t>
+                      </a:r>
+                    </a:p>
+                  </a:txBody>
+                  <a:tcPr/>
+                </a:tc>
+                <a:tc>
+                  <a:txBody>
+                    <a:bodyPr/>
+                    <a:lstStyle/>
+                    <a:p>
+                      <a:r>
+                        <a:rPr lang="en-US" dirty="0"/>
+                        <a:t>13724.630909000043</a:t>
+                      </a:r>
+                    </a:p>
+                  </a:txBody>
+                  <a:tcPr/>
+                </a:tc>
+                <a:tc>
+                  <a:txBody>
+                    <a:bodyPr/>
+                    <a:lstStyle/>
+                    <a:p>
+                      <a:r>
+                        <a:rPr lang="en-US" dirty="0"/>
+                        <a:t>Erfurt</a:t>
+                      </a:r>
+                    </a:p>
+                  </a:txBody>
+                  <a:tcPr/>
+                </a:tc>
+                <a:extLst>
+                  <a:ext uri="{0D108BD9-81ED-4DB2-BD59-A6C34878D82A}">
+                    <a16:rowId xmlns:a16="http://schemas.microsoft.com/office/drawing/2014/main" xmlns="" val="324738065"/>
+                  </a:ext>
+                </a:extLst>
+              </a:tr>
+              <a:tr h="370840">
+                <a:tc>
+                  <a:txBody>
+                    <a:bodyPr/>
+                    <a:lstStyle/>
+                    <a:p>
+                      <a:r>
+                        <a:rPr lang="en-US" dirty="0"/>
+                        <a:t>Schleswig-Holstein</a:t>
+                      </a:r>
+                    </a:p>
+                  </a:txBody>
+                  <a:tcPr/>
+                </a:tc>
+                <a:tc>
+                  <a:txBody>
+                    <a:bodyPr/>
+                    <a:lstStyle/>
+                    <a:p>
+                      <a:r>
+                        <a:rPr lang="en-US" dirty="0"/>
+                        <a:t>13456.436364000012</a:t>
+                      </a:r>
+                    </a:p>
+                  </a:txBody>
+                  <a:tcPr/>
+                </a:tc>
+                <a:tc>
+                  <a:txBody>
+                    <a:bodyPr/>
+                    <a:lstStyle/>
+                    <a:p>
+                      <a:r>
+                        <a:rPr lang="en-US" dirty="0"/>
+                        <a:t>Kiel</a:t>
+                      </a:r>
+                    </a:p>
+                  </a:txBody>
+                  <a:tcPr/>
+                </a:tc>
+                <a:extLst>
+                  <a:ext uri="{0D108BD9-81ED-4DB2-BD59-A6C34878D82A}">
+                    <a16:rowId xmlns:a16="http://schemas.microsoft.com/office/drawing/2014/main" xmlns="" val="3408090598"/>
+                  </a:ext>
+                </a:extLst>
+              </a:tr>
+              <a:tr h="370840">
+                <a:tc>
+                  <a:txBody>
+                    <a:bodyPr/>
+                    <a:lstStyle/>
+                    <a:p>
+                      <a:r>
+                        <a:rPr lang="en-US" dirty="0"/>
+                        <a:t>Saarland</a:t>
+                      </a:r>
+                    </a:p>
+                  </a:txBody>
+                  <a:tcPr/>
+                </a:tc>
+                <a:tc>
+                  <a:txBody>
+                    <a:bodyPr/>
+                    <a:lstStyle/>
+                    <a:p>
+                      <a:r>
+                        <a:rPr lang="en-US" dirty="0"/>
+                        <a:t>2179.7635439999854</a:t>
+                      </a:r>
+                    </a:p>
+                  </a:txBody>
+                  <a:tcPr/>
+                </a:tc>
+                <a:tc>
+                  <a:txBody>
+                    <a:bodyPr/>
+                    <a:lstStyle/>
+                    <a:p>
+                      <a:r>
+                        <a:rPr lang="en-US" dirty="0" err="1"/>
+                        <a:t>Saarbrücken</a:t>
+                      </a:r>
+                      <a:endParaRPr lang="en-US" dirty="0"/>
+                    </a:p>
+                  </a:txBody>
+                  <a:tcPr/>
+                </a:tc>
+                <a:extLst>
+                  <a:ext uri="{0D108BD9-81ED-4DB2-BD59-A6C34878D82A}">
+                    <a16:rowId xmlns:a16="http://schemas.microsoft.com/office/drawing/2014/main" xmlns="" val="1425424807"/>
+                  </a:ext>
+                </a:extLst>
+              </a:tr>
+              <a:tr h="370840">
+                <a:tc>
+                  <a:txBody>
+                    <a:bodyPr/>
+                    <a:lstStyle/>
+                    <a:p>
+                      <a:r>
+                        <a:rPr lang="en-US" dirty="0"/>
+                        <a:t>Berlin</a:t>
+                      </a:r>
+                    </a:p>
+                  </a:txBody>
+                  <a:tcPr/>
+                </a:tc>
+                <a:tc>
+                  <a:txBody>
+                    <a:bodyPr/>
+                    <a:lstStyle/>
+                    <a:p>
+                      <a:r>
+                        <a:rPr lang="en-US" dirty="0"/>
+                        <a:t>766.2327274999974</a:t>
+                      </a:r>
+                    </a:p>
+                  </a:txBody>
+                  <a:tcPr/>
+                </a:tc>
+                <a:tc>
+                  <a:txBody>
+                    <a:bodyPr/>
+                    <a:lstStyle/>
+                    <a:p>
+                      <a:r>
+                        <a:rPr lang="en-US" dirty="0"/>
+                        <a:t>Berlin</a:t>
+                      </a:r>
+                    </a:p>
+                  </a:txBody>
+                  <a:tcPr/>
+                </a:tc>
+                <a:extLst>
+                  <a:ext uri="{0D108BD9-81ED-4DB2-BD59-A6C34878D82A}">
+                    <a16:rowId xmlns:a16="http://schemas.microsoft.com/office/drawing/2014/main" xmlns="" val="247302656"/>
+                  </a:ext>
+                </a:extLst>
+              </a:tr>
+              <a:tr h="370840">
+                <a:tc>
+                  <a:txBody>
+                    <a:bodyPr/>
+                    <a:lstStyle/>
+                    <a:p>
+                      <a:r>
+                        <a:rPr lang="en-US" dirty="0"/>
+                        <a:t>Hamburg</a:t>
+                      </a:r>
+                    </a:p>
+                  </a:txBody>
+                  <a:tcPr/>
+                </a:tc>
+                <a:tc>
+                  <a:txBody>
+                    <a:bodyPr/>
+                    <a:lstStyle/>
+                    <a:p>
+                      <a:r>
+                        <a:rPr lang="en-US" dirty="0"/>
+                        <a:t>633.3253310000026</a:t>
+                      </a:r>
+                    </a:p>
+                  </a:txBody>
+                  <a:tcPr/>
+                </a:tc>
+                <a:tc>
+                  <a:txBody>
+                    <a:bodyPr/>
+                    <a:lstStyle/>
+                    <a:p>
+                      <a:r>
+                        <a:rPr lang="en-US" dirty="0"/>
+                        <a:t>Hamburg</a:t>
+                      </a:r>
+                    </a:p>
+                  </a:txBody>
+                  <a:tcPr/>
+                </a:tc>
+                <a:extLst>
+                  <a:ext uri="{0D108BD9-81ED-4DB2-BD59-A6C34878D82A}">
+                    <a16:rowId xmlns:a16="http://schemas.microsoft.com/office/drawing/2014/main" xmlns="" val="3512438161"/>
+                  </a:ext>
+                </a:extLst>
+              </a:tr>
+              <a:tr h="370840">
+                <a:tc>
+                  <a:txBody>
+                    <a:bodyPr/>
+                    <a:lstStyle/>
+                    <a:p>
+                      <a:r>
+                        <a:rPr lang="en-US" dirty="0"/>
+                        <a:t>Bremen</a:t>
+                      </a:r>
+                    </a:p>
+                  </a:txBody>
+                  <a:tcPr/>
+                </a:tc>
+                <a:tc>
+                  <a:txBody>
+                    <a:bodyPr/>
+                    <a:lstStyle/>
+                    <a:p>
+                      <a:r>
+                        <a:rPr lang="en-US" dirty="0"/>
+                        <a:t>340.9313619999998</a:t>
+                      </a:r>
+                    </a:p>
+                  </a:txBody>
+                  <a:tcPr/>
+                </a:tc>
+                <a:tc>
+                  <a:txBody>
+                    <a:bodyPr/>
+                    <a:lstStyle/>
+                    <a:p>
+                      <a:r>
+                        <a:rPr lang="en-US" dirty="0"/>
+                        <a:t>Bremen</a:t>
+                      </a:r>
+                    </a:p>
+                  </a:txBody>
+                  <a:tcPr/>
+                </a:tc>
+                <a:extLst>
+                  <a:ext uri="{0D108BD9-81ED-4DB2-BD59-A6C34878D82A}">
+                    <a16:rowId xmlns:a16="http://schemas.microsoft.com/office/drawing/2014/main" xmlns="" val="2816231963"/>
+                  </a:ext>
+                </a:extLst>
+              </a:tr>
+            </a:tbl>
+          </a:graphicData>
+        </a:graphic>
+      </p:graphicFrame>
     </p:spTree>
+    <p:extLst>
+      <p:ext uri="{BB962C8B-B14F-4D97-AF65-F5344CB8AC3E}">
+        <p14:creationId xmlns:p14="http://schemas.microsoft.com/office/powerpoint/2010/main" xmlns="" val="1104837936"/>
+      </p:ext>
+    </p:extLst>
   </p:cSld>
   <p:clrMapOvr>
     <a:masterClrMapping/>
   </p:clrMapOvr>
+  <p:timing>
+    <p:tnLst>
+      <p:par>
+        <p:cTn id="1" dur="indefinite" restart="never" nodeType="tmRoot"/>
+      </p:par>
+    </p:tnLst>
+  </p:timing>
 </p:sld>
 </file>
 
@@ -3331,10 +4118,9 @@
           <a:lstStyle/>
           <a:p>
             <a:r>
-              <a:rPr lang="de-DE" dirty="0" smtClean="0"/>
-              <a:t>Ergebnisse</a:t>
-            </a:r>
-            <a:endParaRPr lang="de-DE" dirty="0"/>
+              <a:rPr lang="de-DE" dirty="0"/>
+              <a:t>Absicherung</a:t>
+            </a:r>
           </a:p>
         </p:txBody>
       </p:sp>
@@ -3351,68 +4137,63 @@
         <p:spPr/>
         <p:txBody>
           <a:bodyPr>
-            <a:noAutofit/>
+            <a:normAutofit lnSpcReduction="10000"/>
           </a:bodyPr>
           <a:lstStyle/>
           <a:p>
             <a:r>
-              <a:rPr lang="de-DE" sz="2400" dirty="0" smtClean="0"/>
-              <a:t>Sachsen-Anhalt=17450.54894199989</a:t>
-            </a:r>
-            <a:r>
-              <a:rPr lang="de-DE" sz="2400" dirty="0" smtClean="0"/>
-              <a:t>, </a:t>
-            </a:r>
-          </a:p>
-          <a:p>
-            <a:r>
-              <a:rPr lang="de-DE" sz="2400" dirty="0" smtClean="0"/>
-              <a:t>Rheinland-Pfalz=16913.58123800003,</a:t>
-            </a:r>
-          </a:p>
-          <a:p>
-            <a:r>
-              <a:rPr lang="de-DE" sz="2400" dirty="0" smtClean="0"/>
-              <a:t>Sachsen=15667.910336999936, </a:t>
-            </a:r>
-          </a:p>
-          <a:p>
-            <a:r>
-              <a:rPr lang="de-DE" sz="2400" dirty="0" smtClean="0"/>
-              <a:t>ThÃ¼ringen=13724.630909000043, </a:t>
-            </a:r>
-            <a:endParaRPr lang="de-DE" sz="2400" dirty="0" smtClean="0"/>
-          </a:p>
-          <a:p>
-            <a:r>
-              <a:rPr lang="de-DE" sz="2400" dirty="0" smtClean="0"/>
-              <a:t>Schleswig-Holstein=13456.436364000012,</a:t>
-            </a:r>
-          </a:p>
-          <a:p>
-            <a:r>
-              <a:rPr lang="de-DE" sz="2400" dirty="0" smtClean="0"/>
-              <a:t>Saarland=2179.7635439999854,</a:t>
-            </a:r>
-          </a:p>
-          <a:p>
-            <a:r>
-              <a:rPr lang="de-DE" sz="2400" dirty="0" smtClean="0"/>
-              <a:t>Berlin=766.2327274999974,</a:t>
-            </a:r>
-          </a:p>
-          <a:p>
-            <a:r>
-              <a:rPr lang="de-DE" sz="2400" dirty="0" smtClean="0"/>
-              <a:t>Hamburg=633.3253310000026</a:t>
-            </a:r>
-          </a:p>
-          <a:p>
-            <a:r>
-              <a:rPr lang="de-DE" sz="2400" dirty="0" smtClean="0"/>
-              <a:t>Bremen=340.9313619999998</a:t>
-            </a:r>
-            <a:endParaRPr lang="de-DE" sz="2400" dirty="0"/>
+              <a:rPr lang="de-DE" dirty="0"/>
+              <a:t>Überprüfen von Inseln </a:t>
+            </a:r>
+            <a:endParaRPr lang="de-DE" dirty="0" smtClean="0"/>
+          </a:p>
+          <a:p>
+            <a:pPr lvl="1"/>
+            <a:r>
+              <a:rPr lang="de-DE" dirty="0" smtClean="0"/>
+              <a:t>Addieren </a:t>
+            </a:r>
+            <a:r>
+              <a:rPr lang="de-DE" dirty="0"/>
+              <a:t>von </a:t>
+            </a:r>
+            <a:r>
+              <a:rPr lang="de-DE" dirty="0" smtClean="0"/>
+              <a:t>Fläche</a:t>
+            </a:r>
+          </a:p>
+          <a:p>
+            <a:pPr lvl="1">
+              <a:buNone/>
+            </a:pPr>
+            <a:endParaRPr lang="de-DE" dirty="0"/>
+          </a:p>
+          <a:p>
+            <a:r>
+              <a:rPr lang="de-DE" dirty="0"/>
+              <a:t>Polygone in Polygone (Subtrahieren von </a:t>
+            </a:r>
+            <a:r>
+              <a:rPr lang="de-DE" dirty="0" smtClean="0"/>
+              <a:t>Fläche (BL in BL))</a:t>
+            </a:r>
+            <a:endParaRPr lang="de-DE" dirty="0"/>
+          </a:p>
+          <a:p>
+            <a:pPr lvl="1"/>
+            <a:r>
+              <a:rPr lang="de-DE" dirty="0"/>
+              <a:t>Point in Polygone Methode</a:t>
+            </a:r>
+          </a:p>
+          <a:p>
+            <a:endParaRPr lang="de-DE" dirty="0"/>
+          </a:p>
+          <a:p>
+            <a:r>
+              <a:rPr lang="de-DE" dirty="0"/>
+              <a:t>Vergleich aller Flächen durch Verhältnis zur Realität</a:t>
+            </a:r>
           </a:p>
         </p:txBody>
       </p:sp>
@@ -3457,10 +4238,9 @@
           <a:lstStyle/>
           <a:p>
             <a:r>
-              <a:rPr lang="de-DE" dirty="0" smtClean="0"/>
+              <a:rPr lang="de-DE" dirty="0"/>
               <a:t>Absicherung</a:t>
             </a:r>
-            <a:endParaRPr lang="de-DE" dirty="0"/>
           </a:p>
         </p:txBody>
       </p:sp>
@@ -3482,10 +4262,9 @@
           <a:lstStyle/>
           <a:p>
             <a:r>
-              <a:rPr lang="de-DE" sz="2400" dirty="0" smtClean="0"/>
+              <a:rPr lang="de-DE" sz="2400" dirty="0"/>
               <a:t>Zeichnen der einzelnen Bundesländer und Vergleich:</a:t>
             </a:r>
-            <a:endParaRPr lang="de-DE" sz="2400" dirty="0"/>
           </a:p>
         </p:txBody>
       </p:sp>
@@ -3526,6 +4305,13 @@
   <p:clrMapOvr>
     <a:masterClrMapping/>
   </p:clrMapOvr>
+  <p:timing>
+    <p:tnLst>
+      <p:par>
+        <p:cTn id="1" dur="indefinite" restart="never" nodeType="tmRoot"/>
+      </p:par>
+    </p:tnLst>
+  </p:timing>
 </p:sld>
 </file>
 
@@ -3562,58 +4348,651 @@
           <a:lstStyle/>
           <a:p>
             <a:r>
-              <a:rPr lang="de-DE" dirty="0" smtClean="0"/>
-              <a:t>Absicherung</a:t>
-            </a:r>
-            <a:endParaRPr lang="de-DE" dirty="0"/>
-          </a:p>
-        </p:txBody>
-      </p:sp>
-      <p:sp>
-        <p:nvSpPr>
-          <p:cNvPr id="3" name="Inhaltsplatzhalter 2"/>
-          <p:cNvSpPr>
-            <a:spLocks noGrp="1"/>
-          </p:cNvSpPr>
-          <p:nvPr>
-            <p:ph idx="1"/>
-          </p:nvPr>
-        </p:nvSpPr>
-        <p:spPr/>
-        <p:txBody>
-          <a:bodyPr/>
-          <a:lstStyle/>
-          <a:p>
-            <a:r>
-              <a:rPr lang="de-DE" dirty="0" smtClean="0"/>
-              <a:t>Überprüfen von Inseln (Addieren von Fläche)</a:t>
-            </a:r>
-          </a:p>
-          <a:p>
-            <a:r>
-              <a:rPr lang="de-DE" dirty="0" smtClean="0"/>
-              <a:t>Polygone in Polygone (Subtrahieren von Fläche)</a:t>
-            </a:r>
-          </a:p>
-          <a:p>
-            <a:pPr lvl="1"/>
-            <a:r>
-              <a:rPr lang="de-DE" dirty="0" smtClean="0"/>
-              <a:t>Point in Polygone Methode</a:t>
-            </a:r>
-          </a:p>
-          <a:p>
-            <a:endParaRPr lang="de-DE" dirty="0" smtClean="0"/>
-          </a:p>
-          <a:p>
-            <a:r>
-              <a:rPr lang="de-DE" dirty="0" smtClean="0"/>
-              <a:t>Vergleich aller Flächen durch Verhältnis zur Realität</a:t>
-            </a:r>
-            <a:endParaRPr lang="de-DE" dirty="0"/>
-          </a:p>
-        </p:txBody>
-      </p:sp>
+              <a:rPr lang="de-DE" dirty="0"/>
+              <a:t>Verhältnis zu Bayern </a:t>
+            </a:r>
+          </a:p>
+        </p:txBody>
+      </p:sp>
+      <p:graphicFrame>
+        <p:nvGraphicFramePr>
+          <p:cNvPr id="6" name="Tabelle 5"/>
+          <p:cNvGraphicFramePr>
+            <a:graphicFrameLocks noGrp="1"/>
+          </p:cNvGraphicFramePr>
+          <p:nvPr/>
+        </p:nvGraphicFramePr>
+        <p:xfrm>
+          <a:off x="1475656" y="1412776"/>
+          <a:ext cx="6504384" cy="5388456"/>
+        </p:xfrm>
+        <a:graphic>
+          <a:graphicData uri="http://schemas.openxmlformats.org/drawingml/2006/table">
+            <a:tbl>
+              <a:tblPr firstRow="1" bandRow="1">
+                <a:tableStyleId>{21E4AEA4-8DFA-4A89-87EB-49C32662AFE0}</a:tableStyleId>
+              </a:tblPr>
+              <a:tblGrid>
+                <a:gridCol w="1626096">
+                  <a:extLst>
+                    <a:ext uri="{9D8B030D-6E8A-4147-A177-3AD203B41FA5}">
+                      <a16:colId xmlns:a16="http://schemas.microsoft.com/office/drawing/2014/main" xmlns="" val="20000"/>
+                    </a:ext>
+                  </a:extLst>
+                </a:gridCol>
+                <a:gridCol w="1626096">
+                  <a:extLst>
+                    <a:ext uri="{9D8B030D-6E8A-4147-A177-3AD203B41FA5}">
+                      <a16:colId xmlns:a16="http://schemas.microsoft.com/office/drawing/2014/main" xmlns="" val="20001"/>
+                    </a:ext>
+                  </a:extLst>
+                </a:gridCol>
+                <a:gridCol w="1626096">
+                  <a:extLst>
+                    <a:ext uri="{9D8B030D-6E8A-4147-A177-3AD203B41FA5}">
+                      <a16:colId xmlns:a16="http://schemas.microsoft.com/office/drawing/2014/main" xmlns="" val="20002"/>
+                    </a:ext>
+                  </a:extLst>
+                </a:gridCol>
+                <a:gridCol w="1626096">
+                  <a:extLst>
+                    <a:ext uri="{9D8B030D-6E8A-4147-A177-3AD203B41FA5}">
+                      <a16:colId xmlns:a16="http://schemas.microsoft.com/office/drawing/2014/main" xmlns="" val="20003"/>
+                    </a:ext>
+                  </a:extLst>
+                </a:gridCol>
+              </a:tblGrid>
+              <a:tr h="578036">
+                <a:tc>
+                  <a:txBody>
+                    <a:bodyPr/>
+                    <a:lstStyle/>
+                    <a:p>
+                      <a:r>
+                        <a:rPr lang="de-DE" dirty="0"/>
+                        <a:t>Bundesland</a:t>
+                      </a:r>
+                    </a:p>
+                  </a:txBody>
+                  <a:tcPr/>
+                </a:tc>
+                <a:tc>
+                  <a:txBody>
+                    <a:bodyPr/>
+                    <a:lstStyle/>
+                    <a:p>
+                      <a:r>
+                        <a:rPr lang="de-DE" dirty="0"/>
+                        <a:t>Ergebnis</a:t>
+                      </a:r>
+                    </a:p>
+                  </a:txBody>
+                  <a:tcPr/>
+                </a:tc>
+                <a:tc>
+                  <a:txBody>
+                    <a:bodyPr/>
+                    <a:lstStyle/>
+                    <a:p>
+                      <a:r>
+                        <a:rPr lang="de-DE" dirty="0"/>
+                        <a:t>Realität</a:t>
+                      </a:r>
+                    </a:p>
+                  </a:txBody>
+                  <a:tcPr/>
+                </a:tc>
+                <a:tc>
+                  <a:txBody>
+                    <a:bodyPr/>
+                    <a:lstStyle/>
+                    <a:p>
+                      <a:r>
+                        <a:rPr lang="de-DE" dirty="0"/>
+                        <a:t>In %</a:t>
+                      </a:r>
+                    </a:p>
+                  </a:txBody>
+                  <a:tcPr/>
+                </a:tc>
+                <a:extLst>
+                  <a:ext uri="{0D108BD9-81ED-4DB2-BD59-A6C34878D82A}">
+                    <a16:rowId xmlns:a16="http://schemas.microsoft.com/office/drawing/2014/main" xmlns="" val="10000"/>
+                  </a:ext>
+                </a:extLst>
+              </a:tr>
+              <a:tr h="578036">
+                <a:tc>
+                  <a:txBody>
+                    <a:bodyPr/>
+                    <a:lstStyle/>
+                    <a:p>
+                      <a:r>
+                        <a:rPr lang="de-DE" dirty="0"/>
+                        <a:t>Bayern </a:t>
+                      </a:r>
+                    </a:p>
+                  </a:txBody>
+                  <a:tcPr/>
+                </a:tc>
+                <a:tc>
+                  <a:txBody>
+                    <a:bodyPr/>
+                    <a:lstStyle/>
+                    <a:p>
+                      <a:r>
+                        <a:rPr lang="de-DE" dirty="0"/>
+                        <a:t>60026</a:t>
+                      </a:r>
+                    </a:p>
+                  </a:txBody>
+                  <a:tcPr/>
+                </a:tc>
+                <a:tc>
+                  <a:txBody>
+                    <a:bodyPr/>
+                    <a:lstStyle/>
+                    <a:p>
+                      <a:r>
+                        <a:rPr lang="de-DE" dirty="0"/>
+                        <a:t>70549</a:t>
+                      </a:r>
+                    </a:p>
+                  </a:txBody>
+                  <a:tcPr/>
+                </a:tc>
+                <a:tc>
+                  <a:txBody>
+                    <a:bodyPr/>
+                    <a:lstStyle/>
+                    <a:p>
+                      <a:r>
+                        <a:rPr lang="de-DE" dirty="0"/>
+                        <a:t>100</a:t>
+                      </a:r>
+                    </a:p>
+                  </a:txBody>
+                  <a:tcPr/>
+                </a:tc>
+                <a:extLst>
+                  <a:ext uri="{0D108BD9-81ED-4DB2-BD59-A6C34878D82A}">
+                    <a16:rowId xmlns:a16="http://schemas.microsoft.com/office/drawing/2014/main" xmlns="" val="10001"/>
+                  </a:ext>
+                </a:extLst>
+              </a:tr>
+              <a:tr h="578036">
+                <a:tc>
+                  <a:txBody>
+                    <a:bodyPr/>
+                    <a:lstStyle/>
+                    <a:p>
+                      <a:r>
+                        <a:rPr lang="de-DE" dirty="0"/>
+                        <a:t>Niedersachen</a:t>
+                      </a:r>
+                    </a:p>
+                  </a:txBody>
+                  <a:tcPr/>
+                </a:tc>
+                <a:tc>
+                  <a:txBody>
+                    <a:bodyPr/>
+                    <a:lstStyle/>
+                    <a:p>
+                      <a:r>
+                        <a:rPr lang="de-DE" sz="1800" kern="1200" dirty="0">
+                          <a:solidFill>
+                            <a:schemeClr val="dk1"/>
+                          </a:solidFill>
+                          <a:latin typeface="+mn-lt"/>
+                          <a:ea typeface="+mn-ea"/>
+                          <a:cs typeface="+mn-cs"/>
+                        </a:rPr>
+                        <a:t>40632</a:t>
+                      </a:r>
+                      <a:endParaRPr lang="de-DE" dirty="0"/>
+                    </a:p>
+                  </a:txBody>
+                  <a:tcPr/>
+                </a:tc>
+                <a:tc>
+                  <a:txBody>
+                    <a:bodyPr/>
+                    <a:lstStyle/>
+                    <a:p>
+                      <a:r>
+                        <a:rPr lang="de-DE" dirty="0"/>
+                        <a:t>47.618</a:t>
+                      </a:r>
+                    </a:p>
+                  </a:txBody>
+                  <a:tcPr/>
+                </a:tc>
+                <a:tc>
+                  <a:txBody>
+                    <a:bodyPr/>
+                    <a:lstStyle/>
+                    <a:p>
+                      <a:r>
+                        <a:rPr lang="de-DE" dirty="0"/>
+                        <a:t>67</a:t>
+                      </a:r>
+                    </a:p>
+                  </a:txBody>
+                  <a:tcPr/>
+                </a:tc>
+                <a:extLst>
+                  <a:ext uri="{0D108BD9-81ED-4DB2-BD59-A6C34878D82A}">
+                    <a16:rowId xmlns:a16="http://schemas.microsoft.com/office/drawing/2014/main" xmlns="" val="10002"/>
+                  </a:ext>
+                </a:extLst>
+              </a:tr>
+              <a:tr h="578036">
+                <a:tc>
+                  <a:txBody>
+                    <a:bodyPr/>
+                    <a:lstStyle/>
+                    <a:p>
+                      <a:r>
+                        <a:rPr lang="de-DE" dirty="0"/>
+                        <a:t>Baden-Württemberg</a:t>
+                      </a:r>
+                    </a:p>
+                  </a:txBody>
+                  <a:tcPr/>
+                </a:tc>
+                <a:tc>
+                  <a:txBody>
+                    <a:bodyPr/>
+                    <a:lstStyle/>
+                    <a:p>
+                      <a:r>
+                        <a:rPr lang="de-DE" sz="1800" kern="1200" dirty="0">
+                          <a:solidFill>
+                            <a:schemeClr val="dk1"/>
+                          </a:solidFill>
+                          <a:latin typeface="+mn-lt"/>
+                          <a:ea typeface="+mn-ea"/>
+                          <a:cs typeface="+mn-cs"/>
+                        </a:rPr>
+                        <a:t>30522</a:t>
+                      </a:r>
+                      <a:endParaRPr lang="de-DE" dirty="0"/>
+                    </a:p>
+                  </a:txBody>
+                  <a:tcPr/>
+                </a:tc>
+                <a:tc>
+                  <a:txBody>
+                    <a:bodyPr/>
+                    <a:lstStyle/>
+                    <a:p>
+                      <a:r>
+                        <a:rPr lang="de-DE" dirty="0"/>
+                        <a:t>35751</a:t>
+                      </a:r>
+                    </a:p>
+                  </a:txBody>
+                  <a:tcPr/>
+                </a:tc>
+                <a:tc>
+                  <a:txBody>
+                    <a:bodyPr/>
+                    <a:lstStyle/>
+                    <a:p>
+                      <a:r>
+                        <a:rPr lang="de-DE" dirty="0"/>
+                        <a:t>50</a:t>
+                      </a:r>
+                    </a:p>
+                  </a:txBody>
+                  <a:tcPr/>
+                </a:tc>
+                <a:extLst>
+                  <a:ext uri="{0D108BD9-81ED-4DB2-BD59-A6C34878D82A}">
+                    <a16:rowId xmlns:a16="http://schemas.microsoft.com/office/drawing/2014/main" xmlns="" val="10003"/>
+                  </a:ext>
+                </a:extLst>
+              </a:tr>
+              <a:tr h="578036">
+                <a:tc>
+                  <a:txBody>
+                    <a:bodyPr/>
+                    <a:lstStyle/>
+                    <a:p>
+                      <a:r>
+                        <a:rPr lang="de-DE" dirty="0"/>
+                        <a:t>Nordrhein-Westfalen</a:t>
+                      </a:r>
+                    </a:p>
+                  </a:txBody>
+                  <a:tcPr/>
+                </a:tc>
+                <a:tc>
+                  <a:txBody>
+                    <a:bodyPr/>
+                    <a:lstStyle/>
+                    <a:p>
+                      <a:r>
+                        <a:rPr lang="de-DE" sz="1800" kern="1200" dirty="0">
+                          <a:solidFill>
+                            <a:schemeClr val="dk1"/>
+                          </a:solidFill>
+                          <a:latin typeface="+mn-lt"/>
+                          <a:ea typeface="+mn-ea"/>
+                          <a:cs typeface="+mn-cs"/>
+                        </a:rPr>
+                        <a:t>28966</a:t>
+                      </a:r>
+                      <a:endParaRPr lang="de-DE" dirty="0"/>
+                    </a:p>
+                  </a:txBody>
+                  <a:tcPr/>
+                </a:tc>
+                <a:tc>
+                  <a:txBody>
+                    <a:bodyPr/>
+                    <a:lstStyle/>
+                    <a:p>
+                      <a:r>
+                        <a:rPr lang="de-DE" dirty="0"/>
+                        <a:t>34083</a:t>
+                      </a:r>
+                    </a:p>
+                  </a:txBody>
+                  <a:tcPr/>
+                </a:tc>
+                <a:tc>
+                  <a:txBody>
+                    <a:bodyPr/>
+                    <a:lstStyle/>
+                    <a:p>
+                      <a:r>
+                        <a:rPr lang="de-DE" dirty="0"/>
+                        <a:t>48</a:t>
+                      </a:r>
+                    </a:p>
+                  </a:txBody>
+                  <a:tcPr/>
+                </a:tc>
+                <a:extLst>
+                  <a:ext uri="{0D108BD9-81ED-4DB2-BD59-A6C34878D82A}">
+                    <a16:rowId xmlns:a16="http://schemas.microsoft.com/office/drawing/2014/main" xmlns="" val="10004"/>
+                  </a:ext>
+                </a:extLst>
+              </a:tr>
+              <a:tr h="578036">
+                <a:tc>
+                  <a:txBody>
+                    <a:bodyPr/>
+                    <a:lstStyle/>
+                    <a:p>
+                      <a:r>
+                        <a:rPr lang="de-DE" dirty="0"/>
+                        <a:t>Brandenburg</a:t>
+                      </a:r>
+                    </a:p>
+                  </a:txBody>
+                  <a:tcPr/>
+                </a:tc>
+                <a:tc>
+                  <a:txBody>
+                    <a:bodyPr/>
+                    <a:lstStyle/>
+                    <a:p>
+                      <a:r>
+                        <a:rPr lang="de-DE" sz="1800" kern="1200" dirty="0">
+                          <a:solidFill>
+                            <a:schemeClr val="dk1"/>
+                          </a:solidFill>
+                          <a:latin typeface="+mn-lt"/>
+                          <a:ea typeface="+mn-ea"/>
+                          <a:cs typeface="+mn-cs"/>
+                        </a:rPr>
+                        <a:t>25275</a:t>
+                      </a:r>
+                      <a:endParaRPr lang="de-DE" dirty="0"/>
+                    </a:p>
+                  </a:txBody>
+                  <a:tcPr/>
+                </a:tc>
+                <a:tc>
+                  <a:txBody>
+                    <a:bodyPr/>
+                    <a:lstStyle/>
+                    <a:p>
+                      <a:r>
+                        <a:rPr lang="de-DE" dirty="0"/>
+                        <a:t>29477</a:t>
+                      </a:r>
+                    </a:p>
+                  </a:txBody>
+                  <a:tcPr/>
+                </a:tc>
+                <a:tc>
+                  <a:txBody>
+                    <a:bodyPr/>
+                    <a:lstStyle/>
+                    <a:p>
+                      <a:r>
+                        <a:rPr lang="de-DE" dirty="0"/>
+                        <a:t>42</a:t>
+                      </a:r>
+                    </a:p>
+                  </a:txBody>
+                  <a:tcPr/>
+                </a:tc>
+                <a:extLst>
+                  <a:ext uri="{0D108BD9-81ED-4DB2-BD59-A6C34878D82A}">
+                    <a16:rowId xmlns:a16="http://schemas.microsoft.com/office/drawing/2014/main" xmlns="" val="10005"/>
+                  </a:ext>
+                </a:extLst>
+              </a:tr>
+              <a:tr h="578036">
+                <a:tc>
+                  <a:txBody>
+                    <a:bodyPr/>
+                    <a:lstStyle/>
+                    <a:p>
+                      <a:r>
+                        <a:rPr lang="de-DE" dirty="0"/>
+                        <a:t>Mecklenburg-Vorpommern</a:t>
+                      </a:r>
+                    </a:p>
+                  </a:txBody>
+                  <a:tcPr/>
+                </a:tc>
+                <a:tc>
+                  <a:txBody>
+                    <a:bodyPr/>
+                    <a:lstStyle/>
+                    <a:p>
+                      <a:r>
+                        <a:rPr lang="de-DE" sz="1800" kern="1200" dirty="0">
+                          <a:solidFill>
+                            <a:schemeClr val="dk1"/>
+                          </a:solidFill>
+                          <a:latin typeface="+mn-lt"/>
+                          <a:ea typeface="+mn-ea"/>
+                          <a:cs typeface="+mn-cs"/>
+                        </a:rPr>
+                        <a:t>19658</a:t>
+                      </a:r>
+                      <a:endParaRPr lang="de-DE" dirty="0"/>
+                    </a:p>
+                  </a:txBody>
+                  <a:tcPr/>
+                </a:tc>
+                <a:tc>
+                  <a:txBody>
+                    <a:bodyPr/>
+                    <a:lstStyle/>
+                    <a:p>
+                      <a:r>
+                        <a:rPr lang="de-DE" dirty="0"/>
+                        <a:t>23174</a:t>
+                      </a:r>
+                    </a:p>
+                  </a:txBody>
+                  <a:tcPr/>
+                </a:tc>
+                <a:tc>
+                  <a:txBody>
+                    <a:bodyPr/>
+                    <a:lstStyle/>
+                    <a:p>
+                      <a:r>
+                        <a:rPr lang="de-DE" dirty="0"/>
+                        <a:t>32</a:t>
+                      </a:r>
+                    </a:p>
+                  </a:txBody>
+                  <a:tcPr/>
+                </a:tc>
+                <a:extLst>
+                  <a:ext uri="{0D108BD9-81ED-4DB2-BD59-A6C34878D82A}">
+                    <a16:rowId xmlns:a16="http://schemas.microsoft.com/office/drawing/2014/main" xmlns="" val="10006"/>
+                  </a:ext>
+                </a:extLst>
+              </a:tr>
+              <a:tr h="578036">
+                <a:tc>
+                  <a:txBody>
+                    <a:bodyPr/>
+                    <a:lstStyle/>
+                    <a:p>
+                      <a:r>
+                        <a:rPr lang="de-DE" dirty="0"/>
+                        <a:t>Hessen</a:t>
+                      </a:r>
+                    </a:p>
+                  </a:txBody>
+                  <a:tcPr/>
+                </a:tc>
+                <a:tc>
+                  <a:txBody>
+                    <a:bodyPr/>
+                    <a:lstStyle/>
+                    <a:p>
+                      <a:r>
+                        <a:rPr lang="de-DE" sz="1800" kern="1200" dirty="0">
+                          <a:solidFill>
+                            <a:schemeClr val="dk1"/>
+                          </a:solidFill>
+                          <a:latin typeface="+mn-lt"/>
+                          <a:ea typeface="+mn-ea"/>
+                          <a:cs typeface="+mn-cs"/>
+                        </a:rPr>
+                        <a:t>17977</a:t>
+                      </a:r>
+                      <a:endParaRPr lang="de-DE" dirty="0"/>
+                    </a:p>
+                  </a:txBody>
+                  <a:tcPr/>
+                </a:tc>
+                <a:tc>
+                  <a:txBody>
+                    <a:bodyPr/>
+                    <a:lstStyle/>
+                    <a:p>
+                      <a:r>
+                        <a:rPr lang="de-DE" dirty="0"/>
+                        <a:t>21114</a:t>
+                      </a:r>
+                    </a:p>
+                  </a:txBody>
+                  <a:tcPr/>
+                </a:tc>
+                <a:tc>
+                  <a:txBody>
+                    <a:bodyPr/>
+                    <a:lstStyle/>
+                    <a:p>
+                      <a:r>
+                        <a:rPr lang="de-DE" dirty="0"/>
+                        <a:t>29</a:t>
+                      </a:r>
+                    </a:p>
+                  </a:txBody>
+                  <a:tcPr/>
+                </a:tc>
+                <a:extLst>
+                  <a:ext uri="{0D108BD9-81ED-4DB2-BD59-A6C34878D82A}">
+                    <a16:rowId xmlns:a16="http://schemas.microsoft.com/office/drawing/2014/main" xmlns="" val="10007"/>
+                  </a:ext>
+                </a:extLst>
+              </a:tr>
+              <a:tr h="578036">
+                <a:tc>
+                  <a:txBody>
+                    <a:bodyPr/>
+                    <a:lstStyle/>
+                    <a:p>
+                      <a:r>
+                        <a:rPr lang="de-DE" dirty="0"/>
+                        <a:t>Sachsen-Anhalt</a:t>
+                      </a:r>
+                    </a:p>
+                  </a:txBody>
+                  <a:tcPr/>
+                </a:tc>
+                <a:tc>
+                  <a:txBody>
+                    <a:bodyPr/>
+                    <a:lstStyle/>
+                    <a:p>
+                      <a:r>
+                        <a:rPr lang="de-DE" sz="1800" kern="1200" dirty="0">
+                          <a:solidFill>
+                            <a:schemeClr val="dk1"/>
+                          </a:solidFill>
+                          <a:latin typeface="+mn-lt"/>
+                          <a:ea typeface="+mn-ea"/>
+                          <a:cs typeface="+mn-cs"/>
+                        </a:rPr>
+                        <a:t>17450</a:t>
+                      </a:r>
+                      <a:endParaRPr lang="de-DE" dirty="0"/>
+                    </a:p>
+                  </a:txBody>
+                  <a:tcPr/>
+                </a:tc>
+                <a:tc>
+                  <a:txBody>
+                    <a:bodyPr/>
+                    <a:lstStyle/>
+                    <a:p>
+                      <a:r>
+                        <a:rPr lang="de-DE" dirty="0"/>
+                        <a:t>20445</a:t>
+                      </a:r>
+                    </a:p>
+                  </a:txBody>
+                  <a:tcPr/>
+                </a:tc>
+                <a:tc>
+                  <a:txBody>
+                    <a:bodyPr/>
+                    <a:lstStyle/>
+                    <a:p>
+                      <a:r>
+                        <a:rPr lang="de-DE" dirty="0"/>
+                        <a:t>29</a:t>
+                      </a:r>
+                    </a:p>
+                  </a:txBody>
+                  <a:tcPr/>
+                </a:tc>
+                <a:extLst>
+                  <a:ext uri="{0D108BD9-81ED-4DB2-BD59-A6C34878D82A}">
+                    <a16:rowId xmlns:a16="http://schemas.microsoft.com/office/drawing/2014/main" xmlns="" val="10008"/>
+                  </a:ext>
+                </a:extLst>
+              </a:tr>
+            </a:tbl>
+          </a:graphicData>
+        </a:graphic>
+      </p:graphicFrame>
     </p:spTree>
   </p:cSld>
   <p:clrMapOvr>
@@ -3655,657 +5034,9 @@
           <a:lstStyle/>
           <a:p>
             <a:r>
-              <a:rPr lang="de-DE" dirty="0" smtClean="0"/>
+              <a:rPr lang="de-DE" dirty="0"/>
               <a:t>Verhältnis zu Bayern </a:t>
             </a:r>
-            <a:endParaRPr lang="de-DE" dirty="0"/>
-          </a:p>
-        </p:txBody>
-      </p:sp>
-      <p:graphicFrame>
-        <p:nvGraphicFramePr>
-          <p:cNvPr id="6" name="Tabelle 5"/>
-          <p:cNvGraphicFramePr>
-            <a:graphicFrameLocks noGrp="1"/>
-          </p:cNvGraphicFramePr>
-          <p:nvPr/>
-        </p:nvGraphicFramePr>
-        <p:xfrm>
-          <a:off x="1475656" y="1412776"/>
-          <a:ext cx="6504384" cy="5388456"/>
-        </p:xfrm>
-        <a:graphic>
-          <a:graphicData uri="http://schemas.openxmlformats.org/drawingml/2006/table">
-            <a:tbl>
-              <a:tblPr firstRow="1" bandRow="1">
-                <a:tableStyleId>{21E4AEA4-8DFA-4A89-87EB-49C32662AFE0}</a:tableStyleId>
-              </a:tblPr>
-              <a:tblGrid>
-                <a:gridCol w="1626096"/>
-                <a:gridCol w="1626096"/>
-                <a:gridCol w="1626096"/>
-                <a:gridCol w="1626096"/>
-              </a:tblGrid>
-              <a:tr h="578036">
-                <a:tc>
-                  <a:txBody>
-                    <a:bodyPr/>
-                    <a:lstStyle/>
-                    <a:p>
-                      <a:r>
-                        <a:rPr lang="de-DE" dirty="0" smtClean="0"/>
-                        <a:t>Bundesland</a:t>
-                      </a:r>
-                      <a:endParaRPr lang="de-DE" dirty="0"/>
-                    </a:p>
-                  </a:txBody>
-                  <a:tcPr/>
-                </a:tc>
-                <a:tc>
-                  <a:txBody>
-                    <a:bodyPr/>
-                    <a:lstStyle/>
-                    <a:p>
-                      <a:r>
-                        <a:rPr lang="de-DE" dirty="0" smtClean="0"/>
-                        <a:t>Ergebnis</a:t>
-                      </a:r>
-                      <a:endParaRPr lang="de-DE" dirty="0"/>
-                    </a:p>
-                  </a:txBody>
-                  <a:tcPr/>
-                </a:tc>
-                <a:tc>
-                  <a:txBody>
-                    <a:bodyPr/>
-                    <a:lstStyle/>
-                    <a:p>
-                      <a:r>
-                        <a:rPr lang="de-DE" dirty="0" smtClean="0"/>
-                        <a:t>Realität</a:t>
-                      </a:r>
-                      <a:endParaRPr lang="de-DE" dirty="0"/>
-                    </a:p>
-                  </a:txBody>
-                  <a:tcPr/>
-                </a:tc>
-                <a:tc>
-                  <a:txBody>
-                    <a:bodyPr/>
-                    <a:lstStyle/>
-                    <a:p>
-                      <a:r>
-                        <a:rPr lang="de-DE" dirty="0" smtClean="0"/>
-                        <a:t>In %</a:t>
-                      </a:r>
-                      <a:endParaRPr lang="de-DE" dirty="0"/>
-                    </a:p>
-                  </a:txBody>
-                  <a:tcPr/>
-                </a:tc>
-              </a:tr>
-              <a:tr h="578036">
-                <a:tc>
-                  <a:txBody>
-                    <a:bodyPr/>
-                    <a:lstStyle/>
-                    <a:p>
-                      <a:r>
-                        <a:rPr lang="de-DE" dirty="0" smtClean="0"/>
-                        <a:t>Bayern </a:t>
-                      </a:r>
-                      <a:endParaRPr lang="de-DE" dirty="0"/>
-                    </a:p>
-                  </a:txBody>
-                  <a:tcPr/>
-                </a:tc>
-                <a:tc>
-                  <a:txBody>
-                    <a:bodyPr/>
-                    <a:lstStyle/>
-                    <a:p>
-                      <a:r>
-                        <a:rPr lang="de-DE" dirty="0" smtClean="0"/>
-                        <a:t>60026</a:t>
-                      </a:r>
-                      <a:endParaRPr lang="de-DE" dirty="0"/>
-                    </a:p>
-                  </a:txBody>
-                  <a:tcPr/>
-                </a:tc>
-                <a:tc>
-                  <a:txBody>
-                    <a:bodyPr/>
-                    <a:lstStyle/>
-                    <a:p>
-                      <a:r>
-                        <a:rPr lang="de-DE" dirty="0" smtClean="0"/>
-                        <a:t>70549</a:t>
-                      </a:r>
-                      <a:endParaRPr lang="de-DE" dirty="0"/>
-                    </a:p>
-                  </a:txBody>
-                  <a:tcPr/>
-                </a:tc>
-                <a:tc>
-                  <a:txBody>
-                    <a:bodyPr/>
-                    <a:lstStyle/>
-                    <a:p>
-                      <a:r>
-                        <a:rPr lang="de-DE" dirty="0" smtClean="0"/>
-                        <a:t>100</a:t>
-                      </a:r>
-                      <a:endParaRPr lang="de-DE" dirty="0"/>
-                    </a:p>
-                  </a:txBody>
-                  <a:tcPr/>
-                </a:tc>
-              </a:tr>
-              <a:tr h="578036">
-                <a:tc>
-                  <a:txBody>
-                    <a:bodyPr/>
-                    <a:lstStyle/>
-                    <a:p>
-                      <a:r>
-                        <a:rPr lang="de-DE" dirty="0" smtClean="0"/>
-                        <a:t>Niedersachen</a:t>
-                      </a:r>
-                      <a:endParaRPr lang="de-DE" dirty="0"/>
-                    </a:p>
-                  </a:txBody>
-                  <a:tcPr/>
-                </a:tc>
-                <a:tc>
-                  <a:txBody>
-                    <a:bodyPr/>
-                    <a:lstStyle/>
-                    <a:p>
-                      <a:r>
-                        <a:rPr lang="de-DE" sz="1800" kern="1200" dirty="0" smtClean="0">
-                          <a:solidFill>
-                            <a:schemeClr val="dk1"/>
-                          </a:solidFill>
-                          <a:latin typeface="+mn-lt"/>
-                          <a:ea typeface="+mn-ea"/>
-                          <a:cs typeface="+mn-cs"/>
-                        </a:rPr>
-                        <a:t>40632</a:t>
-                      </a:r>
-                      <a:endParaRPr lang="de-DE" dirty="0"/>
-                    </a:p>
-                  </a:txBody>
-                  <a:tcPr/>
-                </a:tc>
-                <a:tc>
-                  <a:txBody>
-                    <a:bodyPr/>
-                    <a:lstStyle/>
-                    <a:p>
-                      <a:r>
-                        <a:rPr lang="de-DE" dirty="0" smtClean="0"/>
-                        <a:t>47.618</a:t>
-                      </a:r>
-                      <a:endParaRPr lang="de-DE" dirty="0"/>
-                    </a:p>
-                  </a:txBody>
-                  <a:tcPr/>
-                </a:tc>
-                <a:tc>
-                  <a:txBody>
-                    <a:bodyPr/>
-                    <a:lstStyle/>
-                    <a:p>
-                      <a:r>
-                        <a:rPr lang="de-DE" dirty="0" smtClean="0"/>
-                        <a:t>67</a:t>
-                      </a:r>
-                      <a:endParaRPr lang="de-DE" dirty="0"/>
-                    </a:p>
-                  </a:txBody>
-                  <a:tcPr/>
-                </a:tc>
-              </a:tr>
-              <a:tr h="578036">
-                <a:tc>
-                  <a:txBody>
-                    <a:bodyPr/>
-                    <a:lstStyle/>
-                    <a:p>
-                      <a:r>
-                        <a:rPr lang="de-DE" dirty="0" smtClean="0"/>
-                        <a:t>Baden-Württemberg</a:t>
-                      </a:r>
-                      <a:endParaRPr lang="de-DE" dirty="0"/>
-                    </a:p>
-                  </a:txBody>
-                  <a:tcPr/>
-                </a:tc>
-                <a:tc>
-                  <a:txBody>
-                    <a:bodyPr/>
-                    <a:lstStyle/>
-                    <a:p>
-                      <a:r>
-                        <a:rPr lang="de-DE" sz="1800" kern="1200" dirty="0" smtClean="0">
-                          <a:solidFill>
-                            <a:schemeClr val="dk1"/>
-                          </a:solidFill>
-                          <a:latin typeface="+mn-lt"/>
-                          <a:ea typeface="+mn-ea"/>
-                          <a:cs typeface="+mn-cs"/>
-                        </a:rPr>
-                        <a:t>30522</a:t>
-                      </a:r>
-                      <a:endParaRPr lang="de-DE" dirty="0"/>
-                    </a:p>
-                  </a:txBody>
-                  <a:tcPr/>
-                </a:tc>
-                <a:tc>
-                  <a:txBody>
-                    <a:bodyPr/>
-                    <a:lstStyle/>
-                    <a:p>
-                      <a:r>
-                        <a:rPr lang="de-DE" dirty="0" smtClean="0"/>
-                        <a:t>35751</a:t>
-                      </a:r>
-                      <a:endParaRPr lang="de-DE" dirty="0"/>
-                    </a:p>
-                  </a:txBody>
-                  <a:tcPr/>
-                </a:tc>
-                <a:tc>
-                  <a:txBody>
-                    <a:bodyPr/>
-                    <a:lstStyle/>
-                    <a:p>
-                      <a:r>
-                        <a:rPr lang="de-DE" dirty="0" smtClean="0"/>
-                        <a:t>50</a:t>
-                      </a:r>
-                      <a:endParaRPr lang="de-DE" dirty="0"/>
-                    </a:p>
-                  </a:txBody>
-                  <a:tcPr/>
-                </a:tc>
-              </a:tr>
-              <a:tr h="578036">
-                <a:tc>
-                  <a:txBody>
-                    <a:bodyPr/>
-                    <a:lstStyle/>
-                    <a:p>
-                      <a:r>
-                        <a:rPr lang="de-DE" dirty="0" smtClean="0"/>
-                        <a:t>Nordrhein-Westfalen</a:t>
-                      </a:r>
-                      <a:endParaRPr lang="de-DE" dirty="0"/>
-                    </a:p>
-                  </a:txBody>
-                  <a:tcPr/>
-                </a:tc>
-                <a:tc>
-                  <a:txBody>
-                    <a:bodyPr/>
-                    <a:lstStyle/>
-                    <a:p>
-                      <a:r>
-                        <a:rPr lang="de-DE" sz="1800" kern="1200" dirty="0" smtClean="0">
-                          <a:solidFill>
-                            <a:schemeClr val="dk1"/>
-                          </a:solidFill>
-                          <a:latin typeface="+mn-lt"/>
-                          <a:ea typeface="+mn-ea"/>
-                          <a:cs typeface="+mn-cs"/>
-                        </a:rPr>
-                        <a:t>28966</a:t>
-                      </a:r>
-                      <a:endParaRPr lang="de-DE" dirty="0"/>
-                    </a:p>
-                  </a:txBody>
-                  <a:tcPr/>
-                </a:tc>
-                <a:tc>
-                  <a:txBody>
-                    <a:bodyPr/>
-                    <a:lstStyle/>
-                    <a:p>
-                      <a:r>
-                        <a:rPr lang="de-DE" dirty="0" smtClean="0"/>
-                        <a:t>34083</a:t>
-                      </a:r>
-                      <a:endParaRPr lang="de-DE" dirty="0"/>
-                    </a:p>
-                  </a:txBody>
-                  <a:tcPr/>
-                </a:tc>
-                <a:tc>
-                  <a:txBody>
-                    <a:bodyPr/>
-                    <a:lstStyle/>
-                    <a:p>
-                      <a:r>
-                        <a:rPr lang="de-DE" dirty="0" smtClean="0"/>
-                        <a:t>48</a:t>
-                      </a:r>
-                      <a:endParaRPr lang="de-DE" dirty="0"/>
-                    </a:p>
-                  </a:txBody>
-                  <a:tcPr/>
-                </a:tc>
-              </a:tr>
-              <a:tr h="578036">
-                <a:tc>
-                  <a:txBody>
-                    <a:bodyPr/>
-                    <a:lstStyle/>
-                    <a:p>
-                      <a:r>
-                        <a:rPr lang="de-DE" dirty="0" smtClean="0"/>
-                        <a:t>Brandenburg</a:t>
-                      </a:r>
-                      <a:endParaRPr lang="de-DE" dirty="0"/>
-                    </a:p>
-                  </a:txBody>
-                  <a:tcPr/>
-                </a:tc>
-                <a:tc>
-                  <a:txBody>
-                    <a:bodyPr/>
-                    <a:lstStyle/>
-                    <a:p>
-                      <a:r>
-                        <a:rPr lang="de-DE" sz="1800" kern="1200" dirty="0" smtClean="0">
-                          <a:solidFill>
-                            <a:schemeClr val="dk1"/>
-                          </a:solidFill>
-                          <a:latin typeface="+mn-lt"/>
-                          <a:ea typeface="+mn-ea"/>
-                          <a:cs typeface="+mn-cs"/>
-                        </a:rPr>
-                        <a:t>25275</a:t>
-                      </a:r>
-                      <a:endParaRPr lang="de-DE" dirty="0"/>
-                    </a:p>
-                  </a:txBody>
-                  <a:tcPr/>
-                </a:tc>
-                <a:tc>
-                  <a:txBody>
-                    <a:bodyPr/>
-                    <a:lstStyle/>
-                    <a:p>
-                      <a:r>
-                        <a:rPr lang="de-DE" dirty="0" smtClean="0"/>
-                        <a:t>29477</a:t>
-                      </a:r>
-                      <a:endParaRPr lang="de-DE" dirty="0"/>
-                    </a:p>
-                  </a:txBody>
-                  <a:tcPr/>
-                </a:tc>
-                <a:tc>
-                  <a:txBody>
-                    <a:bodyPr/>
-                    <a:lstStyle/>
-                    <a:p>
-                      <a:r>
-                        <a:rPr lang="de-DE" dirty="0" smtClean="0"/>
-                        <a:t>42</a:t>
-                      </a:r>
-                      <a:endParaRPr lang="de-DE" dirty="0"/>
-                    </a:p>
-                  </a:txBody>
-                  <a:tcPr/>
-                </a:tc>
-              </a:tr>
-              <a:tr h="578036">
-                <a:tc>
-                  <a:txBody>
-                    <a:bodyPr/>
-                    <a:lstStyle/>
-                    <a:p>
-                      <a:r>
-                        <a:rPr lang="de-DE" dirty="0" smtClean="0"/>
-                        <a:t>Mecklenburg-Vorpommern</a:t>
-                      </a:r>
-                      <a:endParaRPr lang="de-DE" dirty="0"/>
-                    </a:p>
-                  </a:txBody>
-                  <a:tcPr/>
-                </a:tc>
-                <a:tc>
-                  <a:txBody>
-                    <a:bodyPr/>
-                    <a:lstStyle/>
-                    <a:p>
-                      <a:r>
-                        <a:rPr lang="de-DE" sz="1800" kern="1200" dirty="0" smtClean="0">
-                          <a:solidFill>
-                            <a:schemeClr val="dk1"/>
-                          </a:solidFill>
-                          <a:latin typeface="+mn-lt"/>
-                          <a:ea typeface="+mn-ea"/>
-                          <a:cs typeface="+mn-cs"/>
-                        </a:rPr>
-                        <a:t>19658</a:t>
-                      </a:r>
-                      <a:endParaRPr lang="de-DE" dirty="0"/>
-                    </a:p>
-                  </a:txBody>
-                  <a:tcPr/>
-                </a:tc>
-                <a:tc>
-                  <a:txBody>
-                    <a:bodyPr/>
-                    <a:lstStyle/>
-                    <a:p>
-                      <a:r>
-                        <a:rPr lang="de-DE" dirty="0" smtClean="0"/>
-                        <a:t>23174</a:t>
-                      </a:r>
-                      <a:endParaRPr lang="de-DE" dirty="0"/>
-                    </a:p>
-                  </a:txBody>
-                  <a:tcPr/>
-                </a:tc>
-                <a:tc>
-                  <a:txBody>
-                    <a:bodyPr/>
-                    <a:lstStyle/>
-                    <a:p>
-                      <a:r>
-                        <a:rPr lang="de-DE" dirty="0" smtClean="0"/>
-                        <a:t>32</a:t>
-                      </a:r>
-                      <a:endParaRPr lang="de-DE" dirty="0"/>
-                    </a:p>
-                  </a:txBody>
-                  <a:tcPr/>
-                </a:tc>
-              </a:tr>
-              <a:tr h="578036">
-                <a:tc>
-                  <a:txBody>
-                    <a:bodyPr/>
-                    <a:lstStyle/>
-                    <a:p>
-                      <a:r>
-                        <a:rPr lang="de-DE" dirty="0" smtClean="0"/>
-                        <a:t>Hessen</a:t>
-                      </a:r>
-                      <a:endParaRPr lang="de-DE" dirty="0"/>
-                    </a:p>
-                  </a:txBody>
-                  <a:tcPr/>
-                </a:tc>
-                <a:tc>
-                  <a:txBody>
-                    <a:bodyPr/>
-                    <a:lstStyle/>
-                    <a:p>
-                      <a:r>
-                        <a:rPr lang="de-DE" sz="1800" kern="1200" dirty="0" smtClean="0">
-                          <a:solidFill>
-                            <a:schemeClr val="dk1"/>
-                          </a:solidFill>
-                          <a:latin typeface="+mn-lt"/>
-                          <a:ea typeface="+mn-ea"/>
-                          <a:cs typeface="+mn-cs"/>
-                        </a:rPr>
-                        <a:t>17977</a:t>
-                      </a:r>
-                      <a:endParaRPr lang="de-DE" dirty="0"/>
-                    </a:p>
-                  </a:txBody>
-                  <a:tcPr/>
-                </a:tc>
-                <a:tc>
-                  <a:txBody>
-                    <a:bodyPr/>
-                    <a:lstStyle/>
-                    <a:p>
-                      <a:r>
-                        <a:rPr lang="de-DE" dirty="0" smtClean="0"/>
-                        <a:t>21114</a:t>
-                      </a:r>
-                      <a:endParaRPr lang="de-DE" dirty="0"/>
-                    </a:p>
-                  </a:txBody>
-                  <a:tcPr/>
-                </a:tc>
-                <a:tc>
-                  <a:txBody>
-                    <a:bodyPr/>
-                    <a:lstStyle/>
-                    <a:p>
-                      <a:r>
-                        <a:rPr lang="de-DE" dirty="0" smtClean="0"/>
-                        <a:t>29</a:t>
-                      </a:r>
-                      <a:endParaRPr lang="de-DE" dirty="0"/>
-                    </a:p>
-                  </a:txBody>
-                  <a:tcPr/>
-                </a:tc>
-              </a:tr>
-              <a:tr h="578036">
-                <a:tc>
-                  <a:txBody>
-                    <a:bodyPr/>
-                    <a:lstStyle/>
-                    <a:p>
-                      <a:r>
-                        <a:rPr lang="de-DE" dirty="0" smtClean="0"/>
-                        <a:t>Sachsen-Anhalt</a:t>
-                      </a:r>
-                      <a:endParaRPr lang="de-DE" dirty="0"/>
-                    </a:p>
-                  </a:txBody>
-                  <a:tcPr/>
-                </a:tc>
-                <a:tc>
-                  <a:txBody>
-                    <a:bodyPr/>
-                    <a:lstStyle/>
-                    <a:p>
-                      <a:r>
-                        <a:rPr lang="de-DE" sz="1800" kern="1200" dirty="0" smtClean="0">
-                          <a:solidFill>
-                            <a:schemeClr val="dk1"/>
-                          </a:solidFill>
-                          <a:latin typeface="+mn-lt"/>
-                          <a:ea typeface="+mn-ea"/>
-                          <a:cs typeface="+mn-cs"/>
-                        </a:rPr>
-                        <a:t>17450</a:t>
-                      </a:r>
-                      <a:endParaRPr lang="de-DE" dirty="0"/>
-                    </a:p>
-                  </a:txBody>
-                  <a:tcPr/>
-                </a:tc>
-                <a:tc>
-                  <a:txBody>
-                    <a:bodyPr/>
-                    <a:lstStyle/>
-                    <a:p>
-                      <a:r>
-                        <a:rPr lang="de-DE" dirty="0" smtClean="0"/>
-                        <a:t>20445</a:t>
-                      </a:r>
-                      <a:endParaRPr lang="de-DE" dirty="0"/>
-                    </a:p>
-                  </a:txBody>
-                  <a:tcPr/>
-                </a:tc>
-                <a:tc>
-                  <a:txBody>
-                    <a:bodyPr/>
-                    <a:lstStyle/>
-                    <a:p>
-                      <a:r>
-                        <a:rPr lang="de-DE" dirty="0" smtClean="0"/>
-                        <a:t>29</a:t>
-                      </a:r>
-                      <a:endParaRPr lang="de-DE" dirty="0"/>
-                    </a:p>
-                  </a:txBody>
-                  <a:tcPr/>
-                </a:tc>
-              </a:tr>
-            </a:tbl>
-          </a:graphicData>
-        </a:graphic>
-      </p:graphicFrame>
-    </p:spTree>
-  </p:cSld>
-  <p:clrMapOvr>
-    <a:masterClrMapping/>
-  </p:clrMapOvr>
-</p:sld>
-</file>
-
-<file path=ppt/slides/slide7.xml><?xml version="1.0" encoding="utf-8"?>
-<p:sld xmlns:a="http://schemas.openxmlformats.org/drawingml/2006/main" xmlns:r="http://schemas.openxmlformats.org/officeDocument/2006/relationships" xmlns:p="http://schemas.openxmlformats.org/presentationml/2006/main">
-  <p:cSld>
-    <p:spTree>
-      <p:nvGrpSpPr>
-        <p:cNvPr id="1" name=""/>
-        <p:cNvGrpSpPr/>
-        <p:nvPr/>
-      </p:nvGrpSpPr>
-      <p:grpSpPr>
-        <a:xfrm>
-          <a:off x="0" y="0"/>
-          <a:ext cx="0" cy="0"/>
-          <a:chOff x="0" y="0"/>
-          <a:chExt cx="0" cy="0"/>
-        </a:xfrm>
-      </p:grpSpPr>
-      <p:sp>
-        <p:nvSpPr>
-          <p:cNvPr id="2" name="Titel 1"/>
-          <p:cNvSpPr>
-            <a:spLocks noGrp="1"/>
-          </p:cNvSpPr>
-          <p:nvPr>
-            <p:ph type="title"/>
-          </p:nvPr>
-        </p:nvSpPr>
-        <p:spPr/>
-        <p:txBody>
-          <a:bodyPr/>
-          <a:lstStyle/>
-          <a:p>
-            <a:r>
-              <a:rPr lang="de-DE" dirty="0" smtClean="0"/>
-              <a:t>Verhältnis zu Bayern </a:t>
-            </a:r>
-            <a:endParaRPr lang="de-DE" dirty="0"/>
           </a:p>
         </p:txBody>
       </p:sp>
@@ -4328,10 +5059,34 @@
                 <a:tableStyleId>{21E4AEA4-8DFA-4A89-87EB-49C32662AFE0}</a:tableStyleId>
               </a:tblPr>
               <a:tblGrid>
-                <a:gridCol w="1626096"/>
-                <a:gridCol w="1626096"/>
-                <a:gridCol w="1626096"/>
-                <a:gridCol w="1626096"/>
+                <a:gridCol w="1626096">
+                  <a:extLst>
+                    <a:ext uri="{9D8B030D-6E8A-4147-A177-3AD203B41FA5}">
+                      <a16:colId xmlns:a16="http://schemas.microsoft.com/office/drawing/2014/main" xmlns="" val="20000"/>
+                    </a:ext>
+                  </a:extLst>
+                </a:gridCol>
+                <a:gridCol w="1626096">
+                  <a:extLst>
+                    <a:ext uri="{9D8B030D-6E8A-4147-A177-3AD203B41FA5}">
+                      <a16:colId xmlns:a16="http://schemas.microsoft.com/office/drawing/2014/main" xmlns="" val="20001"/>
+                    </a:ext>
+                  </a:extLst>
+                </a:gridCol>
+                <a:gridCol w="1626096">
+                  <a:extLst>
+                    <a:ext uri="{9D8B030D-6E8A-4147-A177-3AD203B41FA5}">
+                      <a16:colId xmlns:a16="http://schemas.microsoft.com/office/drawing/2014/main" xmlns="" val="20002"/>
+                    </a:ext>
+                  </a:extLst>
+                </a:gridCol>
+                <a:gridCol w="1626096">
+                  <a:extLst>
+                    <a:ext uri="{9D8B030D-6E8A-4147-A177-3AD203B41FA5}">
+                      <a16:colId xmlns:a16="http://schemas.microsoft.com/office/drawing/2014/main" xmlns="" val="20003"/>
+                    </a:ext>
+                  </a:extLst>
+                </a:gridCol>
               </a:tblGrid>
               <a:tr h="578036">
                 <a:tc>
@@ -4340,56 +5095,57 @@
                     <a:lstStyle/>
                     <a:p>
                       <a:r>
-                        <a:rPr lang="de-DE" dirty="0" smtClean="0"/>
+                        <a:rPr lang="de-DE" dirty="0"/>
                         <a:t>Bundesland</a:t>
                       </a:r>
-                      <a:endParaRPr lang="de-DE" dirty="0"/>
-                    </a:p>
-                  </a:txBody>
-                  <a:tcPr/>
-                </a:tc>
-                <a:tc>
-                  <a:txBody>
-                    <a:bodyPr/>
-                    <a:lstStyle/>
-                    <a:p>
-                      <a:r>
-                        <a:rPr lang="de-DE" dirty="0" smtClean="0"/>
+                    </a:p>
+                  </a:txBody>
+                  <a:tcPr/>
+                </a:tc>
+                <a:tc>
+                  <a:txBody>
+                    <a:bodyPr/>
+                    <a:lstStyle/>
+                    <a:p>
+                      <a:r>
+                        <a:rPr lang="de-DE" dirty="0"/>
                         <a:t>Ergebnis</a:t>
                       </a:r>
-                      <a:endParaRPr lang="de-DE" dirty="0"/>
-                    </a:p>
-                  </a:txBody>
-                  <a:tcPr/>
-                </a:tc>
-                <a:tc>
-                  <a:txBody>
-                    <a:bodyPr/>
-                    <a:lstStyle/>
-                    <a:p>
-                      <a:r>
-                        <a:rPr lang="de-DE" dirty="0" smtClean="0"/>
+                    </a:p>
+                  </a:txBody>
+                  <a:tcPr/>
+                </a:tc>
+                <a:tc>
+                  <a:txBody>
+                    <a:bodyPr/>
+                    <a:lstStyle/>
+                    <a:p>
+                      <a:r>
+                        <a:rPr lang="de-DE" dirty="0"/>
                         <a:t>Realität</a:t>
                       </a:r>
-                      <a:endParaRPr lang="de-DE" dirty="0"/>
-                    </a:p>
-                  </a:txBody>
-                  <a:tcPr/>
-                </a:tc>
-                <a:tc>
-                  <a:txBody>
-                    <a:bodyPr/>
-                    <a:lstStyle/>
-                    <a:p>
-                      <a:r>
-                        <a:rPr lang="de-DE" dirty="0" smtClean="0"/>
+                    </a:p>
+                  </a:txBody>
+                  <a:tcPr/>
+                </a:tc>
+                <a:tc>
+                  <a:txBody>
+                    <a:bodyPr/>
+                    <a:lstStyle/>
+                    <a:p>
+                      <a:r>
+                        <a:rPr lang="de-DE" dirty="0"/>
                         <a:t>In %</a:t>
                       </a:r>
-                      <a:endParaRPr lang="de-DE" dirty="0"/>
-                    </a:p>
-                  </a:txBody>
-                  <a:tcPr/>
-                </a:tc>
+                    </a:p>
+                  </a:txBody>
+                  <a:tcPr/>
+                </a:tc>
+                <a:extLst>
+                  <a:ext uri="{0D108BD9-81ED-4DB2-BD59-A6C34878D82A}">
+                    <a16:rowId xmlns:a16="http://schemas.microsoft.com/office/drawing/2014/main" xmlns="" val="10000"/>
+                  </a:ext>
+                </a:extLst>
               </a:tr>
               <a:tr h="578036">
                 <a:tc>
@@ -4398,21 +5154,20 @@
                     <a:lstStyle/>
                     <a:p>
                       <a:r>
-                        <a:rPr lang="de-DE" dirty="0" smtClean="0"/>
+                        <a:rPr lang="de-DE" dirty="0"/>
                         <a:t>Rheinland-Pfalz</a:t>
                       </a:r>
-                      <a:endParaRPr lang="de-DE" dirty="0"/>
-                    </a:p>
-                  </a:txBody>
-                  <a:tcPr/>
-                </a:tc>
-                <a:tc>
-                  <a:txBody>
-                    <a:bodyPr/>
-                    <a:lstStyle/>
-                    <a:p>
-                      <a:r>
-                        <a:rPr lang="de-DE" sz="1800" kern="1200" dirty="0" smtClean="0">
+                    </a:p>
+                  </a:txBody>
+                  <a:tcPr/>
+                </a:tc>
+                <a:tc>
+                  <a:txBody>
+                    <a:bodyPr/>
+                    <a:lstStyle/>
+                    <a:p>
+                      <a:r>
+                        <a:rPr lang="de-DE" sz="1800" kern="1200" dirty="0">
                           <a:solidFill>
                             <a:schemeClr val="dk1"/>
                           </a:solidFill>
@@ -4433,28 +5188,31 @@
                     <a:lstStyle/>
                     <a:p>
                       <a:r>
-                        <a:rPr lang="de-DE" dirty="0" smtClean="0"/>
+                        <a:rPr lang="de-DE" dirty="0"/>
                         <a:t>19847</a:t>
                       </a:r>
-                      <a:endParaRPr lang="de-DE" dirty="0"/>
-                    </a:p>
-                  </a:txBody>
-                  <a:tcPr/>
-                </a:tc>
-                <a:tc>
-                  <a:txBody>
-                    <a:bodyPr/>
-                    <a:lstStyle/>
-                    <a:p>
-                      <a:r>
-                        <a:rPr lang="de-DE" dirty="0" smtClean="0"/>
+                    </a:p>
+                  </a:txBody>
+                  <a:tcPr/>
+                </a:tc>
+                <a:tc>
+                  <a:txBody>
+                    <a:bodyPr/>
+                    <a:lstStyle/>
+                    <a:p>
+                      <a:r>
+                        <a:rPr lang="de-DE" dirty="0"/>
                         <a:t>28</a:t>
                       </a:r>
-                      <a:endParaRPr lang="de-DE" dirty="0"/>
-                    </a:p>
-                  </a:txBody>
-                  <a:tcPr/>
-                </a:tc>
+                    </a:p>
+                  </a:txBody>
+                  <a:tcPr/>
+                </a:tc>
+                <a:extLst>
+                  <a:ext uri="{0D108BD9-81ED-4DB2-BD59-A6C34878D82A}">
+                    <a16:rowId xmlns:a16="http://schemas.microsoft.com/office/drawing/2014/main" xmlns="" val="10001"/>
+                  </a:ext>
+                </a:extLst>
               </a:tr>
               <a:tr h="578036">
                 <a:tc>
@@ -4463,21 +5221,20 @@
                     <a:lstStyle/>
                     <a:p>
                       <a:r>
-                        <a:rPr lang="de-DE" dirty="0" smtClean="0"/>
+                        <a:rPr lang="de-DE" dirty="0"/>
                         <a:t>Sachsen</a:t>
                       </a:r>
-                      <a:endParaRPr lang="de-DE" dirty="0"/>
-                    </a:p>
-                  </a:txBody>
-                  <a:tcPr/>
-                </a:tc>
-                <a:tc>
-                  <a:txBody>
-                    <a:bodyPr/>
-                    <a:lstStyle/>
-                    <a:p>
-                      <a:r>
-                        <a:rPr lang="de-DE" sz="1800" kern="1200" dirty="0" smtClean="0">
+                    </a:p>
+                  </a:txBody>
+                  <a:tcPr/>
+                </a:tc>
+                <a:tc>
+                  <a:txBody>
+                    <a:bodyPr/>
+                    <a:lstStyle/>
+                    <a:p>
+                      <a:r>
+                        <a:rPr lang="de-DE" sz="1800" kern="1200" dirty="0">
                           <a:solidFill>
                             <a:schemeClr val="dk1"/>
                           </a:solidFill>
@@ -4498,28 +5255,31 @@
                     <a:lstStyle/>
                     <a:p>
                       <a:r>
-                        <a:rPr lang="de-DE" dirty="0" smtClean="0"/>
+                        <a:rPr lang="de-DE" dirty="0"/>
                         <a:t>18414</a:t>
                       </a:r>
-                      <a:endParaRPr lang="de-DE" dirty="0"/>
-                    </a:p>
-                  </a:txBody>
-                  <a:tcPr/>
-                </a:tc>
-                <a:tc>
-                  <a:txBody>
-                    <a:bodyPr/>
-                    <a:lstStyle/>
-                    <a:p>
-                      <a:r>
-                        <a:rPr lang="de-DE" dirty="0" smtClean="0"/>
+                    </a:p>
+                  </a:txBody>
+                  <a:tcPr/>
+                </a:tc>
+                <a:tc>
+                  <a:txBody>
+                    <a:bodyPr/>
+                    <a:lstStyle/>
+                    <a:p>
+                      <a:r>
+                        <a:rPr lang="de-DE" dirty="0"/>
                         <a:t>26</a:t>
                       </a:r>
-                      <a:endParaRPr lang="de-DE" dirty="0"/>
-                    </a:p>
-                  </a:txBody>
-                  <a:tcPr/>
-                </a:tc>
+                    </a:p>
+                  </a:txBody>
+                  <a:tcPr/>
+                </a:tc>
+                <a:extLst>
+                  <a:ext uri="{0D108BD9-81ED-4DB2-BD59-A6C34878D82A}">
+                    <a16:rowId xmlns:a16="http://schemas.microsoft.com/office/drawing/2014/main" xmlns="" val="10002"/>
+                  </a:ext>
+                </a:extLst>
               </a:tr>
               <a:tr h="578036">
                 <a:tc>
@@ -4528,21 +5288,20 @@
                     <a:lstStyle/>
                     <a:p>
                       <a:r>
-                        <a:rPr lang="de-DE" dirty="0" smtClean="0"/>
+                        <a:rPr lang="de-DE" dirty="0"/>
                         <a:t>Thüringen</a:t>
                       </a:r>
-                      <a:endParaRPr lang="de-DE" dirty="0"/>
-                    </a:p>
-                  </a:txBody>
-                  <a:tcPr/>
-                </a:tc>
-                <a:tc>
-                  <a:txBody>
-                    <a:bodyPr/>
-                    <a:lstStyle/>
-                    <a:p>
-                      <a:r>
-                        <a:rPr lang="de-DE" sz="1800" kern="1200" dirty="0" smtClean="0">
+                    </a:p>
+                  </a:txBody>
+                  <a:tcPr/>
+                </a:tc>
+                <a:tc>
+                  <a:txBody>
+                    <a:bodyPr/>
+                    <a:lstStyle/>
+                    <a:p>
+                      <a:r>
+                        <a:rPr lang="de-DE" sz="1800" kern="1200" dirty="0">
                           <a:solidFill>
                             <a:schemeClr val="dk1"/>
                           </a:solidFill>
@@ -4563,28 +5322,31 @@
                     <a:lstStyle/>
                     <a:p>
                       <a:r>
-                        <a:rPr lang="de-DE" dirty="0" smtClean="0"/>
+                        <a:rPr lang="de-DE" dirty="0"/>
                         <a:t>16172</a:t>
                       </a:r>
-                      <a:endParaRPr lang="de-DE" dirty="0"/>
-                    </a:p>
-                  </a:txBody>
-                  <a:tcPr/>
-                </a:tc>
-                <a:tc>
-                  <a:txBody>
-                    <a:bodyPr/>
-                    <a:lstStyle/>
-                    <a:p>
-                      <a:r>
-                        <a:rPr lang="de-DE" dirty="0" smtClean="0"/>
+                    </a:p>
+                  </a:txBody>
+                  <a:tcPr/>
+                </a:tc>
+                <a:tc>
+                  <a:txBody>
+                    <a:bodyPr/>
+                    <a:lstStyle/>
+                    <a:p>
+                      <a:r>
+                        <a:rPr lang="de-DE" dirty="0"/>
                         <a:t>22</a:t>
                       </a:r>
-                      <a:endParaRPr lang="de-DE" dirty="0"/>
-                    </a:p>
-                  </a:txBody>
-                  <a:tcPr/>
-                </a:tc>
+                    </a:p>
+                  </a:txBody>
+                  <a:tcPr/>
+                </a:tc>
+                <a:extLst>
+                  <a:ext uri="{0D108BD9-81ED-4DB2-BD59-A6C34878D82A}">
+                    <a16:rowId xmlns:a16="http://schemas.microsoft.com/office/drawing/2014/main" xmlns="" val="10003"/>
+                  </a:ext>
+                </a:extLst>
               </a:tr>
               <a:tr h="578036">
                 <a:tc>
@@ -4593,21 +5355,20 @@
                     <a:lstStyle/>
                     <a:p>
                       <a:r>
-                        <a:rPr lang="de-DE" dirty="0" smtClean="0"/>
+                        <a:rPr lang="de-DE" dirty="0"/>
                         <a:t>Schleswig-Holstein</a:t>
                       </a:r>
-                      <a:endParaRPr lang="de-DE" dirty="0"/>
-                    </a:p>
-                  </a:txBody>
-                  <a:tcPr/>
-                </a:tc>
-                <a:tc>
-                  <a:txBody>
-                    <a:bodyPr/>
-                    <a:lstStyle/>
-                    <a:p>
-                      <a:r>
-                        <a:rPr lang="de-DE" sz="1800" kern="1200" dirty="0" smtClean="0">
+                    </a:p>
+                  </a:txBody>
+                  <a:tcPr/>
+                </a:tc>
+                <a:tc>
+                  <a:txBody>
+                    <a:bodyPr/>
+                    <a:lstStyle/>
+                    <a:p>
+                      <a:r>
+                        <a:rPr lang="de-DE" sz="1800" kern="1200" dirty="0">
                           <a:solidFill>
                             <a:schemeClr val="dk1"/>
                           </a:solidFill>
@@ -4628,28 +5389,31 @@
                     <a:lstStyle/>
                     <a:p>
                       <a:r>
-                        <a:rPr lang="de-DE" dirty="0" smtClean="0"/>
+                        <a:rPr lang="de-DE" dirty="0"/>
                         <a:t>15763</a:t>
                       </a:r>
-                      <a:endParaRPr lang="de-DE" dirty="0"/>
-                    </a:p>
-                  </a:txBody>
-                  <a:tcPr/>
-                </a:tc>
-                <a:tc>
-                  <a:txBody>
-                    <a:bodyPr/>
-                    <a:lstStyle/>
-                    <a:p>
-                      <a:r>
-                        <a:rPr lang="de-DE" dirty="0" smtClean="0"/>
+                    </a:p>
+                  </a:txBody>
+                  <a:tcPr/>
+                </a:tc>
+                <a:tc>
+                  <a:txBody>
+                    <a:bodyPr/>
+                    <a:lstStyle/>
+                    <a:p>
+                      <a:r>
+                        <a:rPr lang="de-DE" dirty="0"/>
                         <a:t>22</a:t>
                       </a:r>
-                      <a:endParaRPr lang="de-DE" dirty="0"/>
-                    </a:p>
-                  </a:txBody>
-                  <a:tcPr/>
-                </a:tc>
+                    </a:p>
+                  </a:txBody>
+                  <a:tcPr/>
+                </a:tc>
+                <a:extLst>
+                  <a:ext uri="{0D108BD9-81ED-4DB2-BD59-A6C34878D82A}">
+                    <a16:rowId xmlns:a16="http://schemas.microsoft.com/office/drawing/2014/main" xmlns="" val="10004"/>
+                  </a:ext>
+                </a:extLst>
               </a:tr>
               <a:tr h="578036">
                 <a:tc>
@@ -4658,21 +5422,20 @@
                     <a:lstStyle/>
                     <a:p>
                       <a:r>
-                        <a:rPr lang="de-DE" dirty="0" smtClean="0"/>
+                        <a:rPr lang="de-DE" dirty="0"/>
                         <a:t>Saarland</a:t>
                       </a:r>
-                      <a:endParaRPr lang="de-DE" dirty="0"/>
-                    </a:p>
-                  </a:txBody>
-                  <a:tcPr/>
-                </a:tc>
-                <a:tc>
-                  <a:txBody>
-                    <a:bodyPr/>
-                    <a:lstStyle/>
-                    <a:p>
-                      <a:r>
-                        <a:rPr lang="de-DE" sz="1800" kern="1200" dirty="0" smtClean="0">
+                    </a:p>
+                  </a:txBody>
+                  <a:tcPr/>
+                </a:tc>
+                <a:tc>
+                  <a:txBody>
+                    <a:bodyPr/>
+                    <a:lstStyle/>
+                    <a:p>
+                      <a:r>
+                        <a:rPr lang="de-DE" sz="1800" kern="1200" dirty="0">
                           <a:solidFill>
                             <a:schemeClr val="dk1"/>
                           </a:solidFill>
@@ -4693,28 +5456,31 @@
                     <a:lstStyle/>
                     <a:p>
                       <a:r>
-                        <a:rPr lang="de-DE" dirty="0" smtClean="0"/>
+                        <a:rPr lang="de-DE" dirty="0"/>
                         <a:t>2568</a:t>
                       </a:r>
-                      <a:endParaRPr lang="de-DE" dirty="0"/>
-                    </a:p>
-                  </a:txBody>
-                  <a:tcPr/>
-                </a:tc>
-                <a:tc>
-                  <a:txBody>
-                    <a:bodyPr/>
-                    <a:lstStyle/>
-                    <a:p>
-                      <a:r>
-                        <a:rPr lang="de-DE" dirty="0" smtClean="0"/>
+                    </a:p>
+                  </a:txBody>
+                  <a:tcPr/>
+                </a:tc>
+                <a:tc>
+                  <a:txBody>
+                    <a:bodyPr/>
+                    <a:lstStyle/>
+                    <a:p>
+                      <a:r>
+                        <a:rPr lang="de-DE" dirty="0"/>
                         <a:t>3</a:t>
                       </a:r>
-                      <a:endParaRPr lang="de-DE" dirty="0"/>
-                    </a:p>
-                  </a:txBody>
-                  <a:tcPr/>
-                </a:tc>
+                    </a:p>
+                  </a:txBody>
+                  <a:tcPr/>
+                </a:tc>
+                <a:extLst>
+                  <a:ext uri="{0D108BD9-81ED-4DB2-BD59-A6C34878D82A}">
+                    <a16:rowId xmlns:a16="http://schemas.microsoft.com/office/drawing/2014/main" xmlns="" val="10005"/>
+                  </a:ext>
+                </a:extLst>
               </a:tr>
               <a:tr h="578036">
                 <a:tc>
@@ -4723,21 +5489,20 @@
                     <a:lstStyle/>
                     <a:p>
                       <a:r>
-                        <a:rPr lang="de-DE" dirty="0" smtClean="0"/>
+                        <a:rPr lang="de-DE" dirty="0"/>
                         <a:t>Berlin</a:t>
                       </a:r>
-                      <a:endParaRPr lang="de-DE" dirty="0"/>
-                    </a:p>
-                  </a:txBody>
-                  <a:tcPr/>
-                </a:tc>
-                <a:tc>
-                  <a:txBody>
-                    <a:bodyPr/>
-                    <a:lstStyle/>
-                    <a:p>
-                      <a:r>
-                        <a:rPr lang="de-DE" sz="1800" kern="1200" dirty="0" smtClean="0">
+                    </a:p>
+                  </a:txBody>
+                  <a:tcPr/>
+                </a:tc>
+                <a:tc>
+                  <a:txBody>
+                    <a:bodyPr/>
+                    <a:lstStyle/>
+                    <a:p>
+                      <a:r>
+                        <a:rPr lang="de-DE" sz="1800" kern="1200" dirty="0">
                           <a:solidFill>
                             <a:schemeClr val="dk1"/>
                           </a:solidFill>
@@ -4758,28 +5523,31 @@
                     <a:lstStyle/>
                     <a:p>
                       <a:r>
-                        <a:rPr lang="de-DE" dirty="0" smtClean="0"/>
+                        <a:rPr lang="de-DE" dirty="0"/>
                         <a:t>891</a:t>
                       </a:r>
-                      <a:endParaRPr lang="de-DE" dirty="0"/>
-                    </a:p>
-                  </a:txBody>
-                  <a:tcPr/>
-                </a:tc>
-                <a:tc>
-                  <a:txBody>
-                    <a:bodyPr/>
-                    <a:lstStyle/>
-                    <a:p>
-                      <a:r>
-                        <a:rPr lang="de-DE" dirty="0" smtClean="0"/>
+                    </a:p>
+                  </a:txBody>
+                  <a:tcPr/>
+                </a:tc>
+                <a:tc>
+                  <a:txBody>
+                    <a:bodyPr/>
+                    <a:lstStyle/>
+                    <a:p>
+                      <a:r>
+                        <a:rPr lang="de-DE" dirty="0"/>
                         <a:t>1</a:t>
                       </a:r>
-                      <a:endParaRPr lang="de-DE" dirty="0"/>
-                    </a:p>
-                  </a:txBody>
-                  <a:tcPr/>
-                </a:tc>
+                    </a:p>
+                  </a:txBody>
+                  <a:tcPr/>
+                </a:tc>
+                <a:extLst>
+                  <a:ext uri="{0D108BD9-81ED-4DB2-BD59-A6C34878D82A}">
+                    <a16:rowId xmlns:a16="http://schemas.microsoft.com/office/drawing/2014/main" xmlns="" val="10006"/>
+                  </a:ext>
+                </a:extLst>
               </a:tr>
               <a:tr h="578036">
                 <a:tc>
@@ -4788,21 +5556,20 @@
                     <a:lstStyle/>
                     <a:p>
                       <a:r>
-                        <a:rPr lang="de-DE" dirty="0" smtClean="0"/>
+                        <a:rPr lang="de-DE" dirty="0"/>
                         <a:t>Hamburg</a:t>
                       </a:r>
-                      <a:endParaRPr lang="de-DE" dirty="0"/>
-                    </a:p>
-                  </a:txBody>
-                  <a:tcPr/>
-                </a:tc>
-                <a:tc>
-                  <a:txBody>
-                    <a:bodyPr/>
-                    <a:lstStyle/>
-                    <a:p>
-                      <a:r>
-                        <a:rPr lang="de-DE" sz="1800" kern="1200" dirty="0" smtClean="0">
+                    </a:p>
+                  </a:txBody>
+                  <a:tcPr/>
+                </a:tc>
+                <a:tc>
+                  <a:txBody>
+                    <a:bodyPr/>
+                    <a:lstStyle/>
+                    <a:p>
+                      <a:r>
+                        <a:rPr lang="de-DE" sz="1800" kern="1200" dirty="0">
                           <a:solidFill>
                             <a:schemeClr val="dk1"/>
                           </a:solidFill>
@@ -4823,28 +5590,31 @@
                     <a:lstStyle/>
                     <a:p>
                       <a:r>
-                        <a:rPr lang="de-DE" dirty="0" smtClean="0"/>
+                        <a:rPr lang="de-DE" dirty="0"/>
                         <a:t>755</a:t>
                       </a:r>
-                      <a:endParaRPr lang="de-DE" dirty="0"/>
-                    </a:p>
-                  </a:txBody>
-                  <a:tcPr/>
-                </a:tc>
-                <a:tc>
-                  <a:txBody>
-                    <a:bodyPr/>
-                    <a:lstStyle/>
-                    <a:p>
-                      <a:r>
-                        <a:rPr lang="de-DE" dirty="0" smtClean="0"/>
+                    </a:p>
+                  </a:txBody>
+                  <a:tcPr/>
+                </a:tc>
+                <a:tc>
+                  <a:txBody>
+                    <a:bodyPr/>
+                    <a:lstStyle/>
+                    <a:p>
+                      <a:r>
+                        <a:rPr lang="de-DE" dirty="0"/>
                         <a:t>1</a:t>
                       </a:r>
-                      <a:endParaRPr lang="de-DE" dirty="0"/>
-                    </a:p>
-                  </a:txBody>
-                  <a:tcPr/>
-                </a:tc>
+                    </a:p>
+                  </a:txBody>
+                  <a:tcPr/>
+                </a:tc>
+                <a:extLst>
+                  <a:ext uri="{0D108BD9-81ED-4DB2-BD59-A6C34878D82A}">
+                    <a16:rowId xmlns:a16="http://schemas.microsoft.com/office/drawing/2014/main" xmlns="" val="10007"/>
+                  </a:ext>
+                </a:extLst>
               </a:tr>
               <a:tr h="578036">
                 <a:tc>
@@ -4853,21 +5623,20 @@
                     <a:lstStyle/>
                     <a:p>
                       <a:r>
-                        <a:rPr lang="de-DE" dirty="0" smtClean="0"/>
+                        <a:rPr lang="de-DE" dirty="0"/>
                         <a:t>Bremen</a:t>
                       </a:r>
-                      <a:endParaRPr lang="de-DE" dirty="0"/>
-                    </a:p>
-                  </a:txBody>
-                  <a:tcPr/>
-                </a:tc>
-                <a:tc>
-                  <a:txBody>
-                    <a:bodyPr/>
-                    <a:lstStyle/>
-                    <a:p>
-                      <a:r>
-                        <a:rPr lang="de-DE" sz="1800" kern="1200" dirty="0" smtClean="0">
+                    </a:p>
+                  </a:txBody>
+                  <a:tcPr/>
+                </a:tc>
+                <a:tc>
+                  <a:txBody>
+                    <a:bodyPr/>
+                    <a:lstStyle/>
+                    <a:p>
+                      <a:r>
+                        <a:rPr lang="de-DE" sz="1800" kern="1200" dirty="0">
                           <a:solidFill>
                             <a:schemeClr val="dk1"/>
                           </a:solidFill>
@@ -4888,28 +5657,31 @@
                     <a:lstStyle/>
                     <a:p>
                       <a:r>
-                        <a:rPr lang="de-DE" dirty="0" smtClean="0"/>
+                        <a:rPr lang="de-DE" dirty="0"/>
                         <a:t>404</a:t>
                       </a:r>
-                      <a:endParaRPr lang="de-DE" dirty="0"/>
-                    </a:p>
-                  </a:txBody>
-                  <a:tcPr/>
-                </a:tc>
-                <a:tc>
-                  <a:txBody>
-                    <a:bodyPr/>
-                    <a:lstStyle/>
-                    <a:p>
-                      <a:r>
-                        <a:rPr lang="de-DE" dirty="0" smtClean="0"/>
+                    </a:p>
+                  </a:txBody>
+                  <a:tcPr/>
+                </a:tc>
+                <a:tc>
+                  <a:txBody>
+                    <a:bodyPr/>
+                    <a:lstStyle/>
+                    <a:p>
+                      <a:r>
+                        <a:rPr lang="de-DE" dirty="0"/>
                         <a:t>0,5</a:t>
                       </a:r>
-                      <a:endParaRPr lang="de-DE" dirty="0"/>
-                    </a:p>
-                  </a:txBody>
-                  <a:tcPr/>
-                </a:tc>
+                    </a:p>
+                  </a:txBody>
+                  <a:tcPr/>
+                </a:tc>
+                <a:extLst>
+                  <a:ext uri="{0D108BD9-81ED-4DB2-BD59-A6C34878D82A}">
+                    <a16:rowId xmlns:a16="http://schemas.microsoft.com/office/drawing/2014/main" xmlns="" val="10008"/>
+                  </a:ext>
+                </a:extLst>
               </a:tr>
             </a:tbl>
           </a:graphicData>
